--- a/sprint.review.20231219_Tuyen.pptx
+++ b/sprint.review.20231219_Tuyen.pptx
@@ -5,14 +5,23 @@
     <p:sldMasterId id="2147483730" r:id="rId4"/>
   </p:sldMasterIdLst>
   <p:notesMasterIdLst>
-    <p:notesMasterId r:id="rId7"/>
+    <p:notesMasterId r:id="rId16"/>
   </p:notesMasterIdLst>
   <p:handoutMasterIdLst>
-    <p:handoutMasterId r:id="rId8"/>
+    <p:handoutMasterId r:id="rId17"/>
   </p:handoutMasterIdLst>
   <p:sldIdLst>
     <p:sldId id="484" r:id="rId5"/>
     <p:sldId id="410" r:id="rId6"/>
+    <p:sldId id="485" r:id="rId7"/>
+    <p:sldId id="486" r:id="rId8"/>
+    <p:sldId id="493" r:id="rId9"/>
+    <p:sldId id="492" r:id="rId10"/>
+    <p:sldId id="487" r:id="rId11"/>
+    <p:sldId id="488" r:id="rId12"/>
+    <p:sldId id="494" r:id="rId13"/>
+    <p:sldId id="489" r:id="rId14"/>
+    <p:sldId id="490" r:id="rId15"/>
   </p:sldIdLst>
   <p:sldSz cx="12192000" cy="6858000"/>
   <p:notesSz cx="6858000" cy="9144000"/>
@@ -243,7 +252,7 @@
           <a:p>
             <a:fld id="{4066312F-7698-4F0F-9A70-3E64A355B831}" type="datetimeFigureOut">
               <a:rPr lang="en-US" smtClean="0"/>
-              <a:t>12/13/2023</a:t>
+              <a:t>12/15/2023</a:t>
             </a:fld>
             <a:endParaRPr lang="en-US"/>
           </a:p>
@@ -421,7 +430,7 @@
           <a:p>
             <a:fld id="{3AEE4C26-09E7-49B0-B22F-A5CFFF3D3B56}" type="datetimeFigureOut">
               <a:rPr lang="en-US" smtClean="0"/>
-              <a:t>12/13/2023</a:t>
+              <a:t>12/15/2023</a:t>
             </a:fld>
             <a:endParaRPr lang="en-US"/>
           </a:p>
@@ -4847,6 +4856,806 @@
 </p:sld>
 </file>
 
+<file path=ppt/slides/slide10.xml><?xml version="1.0" encoding="utf-8"?>
+<p:sld xmlns:a="http://schemas.openxmlformats.org/drawingml/2006/main" xmlns:r="http://schemas.openxmlformats.org/officeDocument/2006/relationships" xmlns:p="http://schemas.openxmlformats.org/presentationml/2006/main">
+  <p:cSld>
+    <p:spTree>
+      <p:nvGrpSpPr>
+        <p:cNvPr id="1" name=""/>
+        <p:cNvGrpSpPr/>
+        <p:nvPr/>
+      </p:nvGrpSpPr>
+      <p:grpSpPr>
+        <a:xfrm>
+          <a:off x="0" y="0"/>
+          <a:ext cx="0" cy="0"/>
+          <a:chOff x="0" y="0"/>
+          <a:chExt cx="0" cy="0"/>
+        </a:xfrm>
+      </p:grpSpPr>
+      <p:sp>
+        <p:nvSpPr>
+          <p:cNvPr id="2" name="Title 1">
+            <a:extLst>
+              <a:ext uri="{FF2B5EF4-FFF2-40B4-BE49-F238E27FC236}">
+                <a16:creationId xmlns:a16="http://schemas.microsoft.com/office/drawing/2014/main" id="{9BC089B1-EA40-2226-ED33-A2680C25A218}"/>
+              </a:ext>
+            </a:extLst>
+          </p:cNvPr>
+          <p:cNvSpPr>
+            <a:spLocks noGrp="1"/>
+          </p:cNvSpPr>
+          <p:nvPr>
+            <p:ph type="title"/>
+          </p:nvPr>
+        </p:nvSpPr>
+        <p:spPr/>
+        <p:txBody>
+          <a:bodyPr>
+            <a:normAutofit/>
+          </a:bodyPr>
+          <a:lstStyle/>
+          <a:p>
+            <a:r>
+              <a:rPr lang="en-US" dirty="0"/>
+              <a:t>What are the best practices in using RDBMS?</a:t>
+            </a:r>
+          </a:p>
+        </p:txBody>
+      </p:sp>
+      <p:sp>
+        <p:nvSpPr>
+          <p:cNvPr id="3" name="Content Placeholder 2">
+            <a:extLst>
+              <a:ext uri="{FF2B5EF4-FFF2-40B4-BE49-F238E27FC236}">
+                <a16:creationId xmlns:a16="http://schemas.microsoft.com/office/drawing/2014/main" id="{581812A0-982E-AD1F-3399-CC95137528F4}"/>
+              </a:ext>
+            </a:extLst>
+          </p:cNvPr>
+          <p:cNvSpPr>
+            <a:spLocks noGrp="1"/>
+          </p:cNvSpPr>
+          <p:nvPr>
+            <p:ph idx="1"/>
+          </p:nvPr>
+        </p:nvSpPr>
+        <p:spPr>
+          <a:xfrm>
+            <a:off x="838200" y="1825625"/>
+            <a:ext cx="5257800" cy="4351338"/>
+          </a:xfrm>
+        </p:spPr>
+        <p:txBody>
+          <a:bodyPr/>
+          <a:lstStyle/>
+          <a:p>
+            <a:r>
+              <a:rPr lang="en-US" dirty="0"/>
+              <a:t>Data modeling</a:t>
+            </a:r>
+          </a:p>
+          <a:p>
+            <a:r>
+              <a:rPr lang="en-US" dirty="0"/>
+              <a:t>Indexing</a:t>
+            </a:r>
+          </a:p>
+          <a:p>
+            <a:r>
+              <a:rPr lang="en-US" dirty="0"/>
+              <a:t>Query optimization</a:t>
+            </a:r>
+          </a:p>
+          <a:p>
+            <a:r>
+              <a:rPr lang="en-US" dirty="0"/>
+              <a:t>Normalization &amp; denormalization</a:t>
+            </a:r>
+          </a:p>
+          <a:p>
+            <a:r>
+              <a:rPr lang="en-US" dirty="0"/>
+              <a:t>Transactions</a:t>
+            </a:r>
+          </a:p>
+          <a:p>
+            <a:r>
+              <a:rPr lang="en-US" dirty="0"/>
+              <a:t>Backup &amp; recovery</a:t>
+            </a:r>
+          </a:p>
+          <a:p>
+            <a:endParaRPr lang="en-US" dirty="0"/>
+          </a:p>
+        </p:txBody>
+      </p:sp>
+      <p:sp>
+        <p:nvSpPr>
+          <p:cNvPr id="4" name="Date Placeholder 3">
+            <a:extLst>
+              <a:ext uri="{FF2B5EF4-FFF2-40B4-BE49-F238E27FC236}">
+                <a16:creationId xmlns:a16="http://schemas.microsoft.com/office/drawing/2014/main" id="{74356EE9-EA8F-98BB-A182-B05DC671496B}"/>
+              </a:ext>
+            </a:extLst>
+          </p:cNvPr>
+          <p:cNvSpPr>
+            <a:spLocks noGrp="1"/>
+          </p:cNvSpPr>
+          <p:nvPr>
+            <p:ph type="dt" sz="half" idx="10"/>
+          </p:nvPr>
+        </p:nvSpPr>
+        <p:spPr/>
+        <p:txBody>
+          <a:bodyPr/>
+          <a:lstStyle/>
+          <a:p>
+            <a:r>
+              <a:rPr lang="vi-VN"/>
+              <a:t>19/12/2023</a:t>
+            </a:r>
+            <a:endParaRPr lang="en-US" dirty="0"/>
+          </a:p>
+        </p:txBody>
+      </p:sp>
+      <p:sp>
+        <p:nvSpPr>
+          <p:cNvPr id="5" name="Footer Placeholder 4">
+            <a:extLst>
+              <a:ext uri="{FF2B5EF4-FFF2-40B4-BE49-F238E27FC236}">
+                <a16:creationId xmlns:a16="http://schemas.microsoft.com/office/drawing/2014/main" id="{0E7A5031-4039-E941-0D13-1A227900D31F}"/>
+              </a:ext>
+            </a:extLst>
+          </p:cNvPr>
+          <p:cNvSpPr>
+            <a:spLocks noGrp="1"/>
+          </p:cNvSpPr>
+          <p:nvPr>
+            <p:ph type="ftr" sz="quarter" idx="11"/>
+          </p:nvPr>
+        </p:nvSpPr>
+        <p:spPr/>
+        <p:txBody>
+          <a:bodyPr/>
+          <a:lstStyle/>
+          <a:p>
+            <a:r>
+              <a:rPr lang="en-US"/>
+              <a:t>GSI</a:t>
+            </a:r>
+            <a:endParaRPr lang="en-US" dirty="0"/>
+          </a:p>
+        </p:txBody>
+      </p:sp>
+      <p:sp>
+        <p:nvSpPr>
+          <p:cNvPr id="6" name="Slide Number Placeholder 5">
+            <a:extLst>
+              <a:ext uri="{FF2B5EF4-FFF2-40B4-BE49-F238E27FC236}">
+                <a16:creationId xmlns:a16="http://schemas.microsoft.com/office/drawing/2014/main" id="{C3FEFD25-0F0B-4A36-7CDC-FE69051017CB}"/>
+              </a:ext>
+            </a:extLst>
+          </p:cNvPr>
+          <p:cNvSpPr>
+            <a:spLocks noGrp="1"/>
+          </p:cNvSpPr>
+          <p:nvPr>
+            <p:ph type="sldNum" sz="quarter" idx="12"/>
+          </p:nvPr>
+        </p:nvSpPr>
+        <p:spPr/>
+        <p:txBody>
+          <a:bodyPr/>
+          <a:lstStyle/>
+          <a:p>
+            <a:fld id="{2FB79C59-F32A-44C5-BD88-D6F83C6AD380}" type="slidenum">
+              <a:rPr lang="en-US" smtClean="0"/>
+              <a:t>10</a:t>
+            </a:fld>
+            <a:endParaRPr lang="en-US"/>
+          </a:p>
+        </p:txBody>
+      </p:sp>
+      <p:sp>
+        <p:nvSpPr>
+          <p:cNvPr id="7" name="Content Placeholder 2">
+            <a:extLst>
+              <a:ext uri="{FF2B5EF4-FFF2-40B4-BE49-F238E27FC236}">
+                <a16:creationId xmlns:a16="http://schemas.microsoft.com/office/drawing/2014/main" id="{211DC320-B41E-19A6-1689-7F95DA3C474F}"/>
+              </a:ext>
+            </a:extLst>
+          </p:cNvPr>
+          <p:cNvSpPr txBox="1">
+            <a:spLocks/>
+          </p:cNvSpPr>
+          <p:nvPr/>
+        </p:nvSpPr>
+        <p:spPr>
+          <a:xfrm>
+            <a:off x="6096000" y="1825625"/>
+            <a:ext cx="5257800" cy="4351338"/>
+          </a:xfrm>
+          <a:prstGeom prst="rect">
+            <a:avLst/>
+          </a:prstGeom>
+        </p:spPr>
+        <p:txBody>
+          <a:bodyPr vert="horz" lIns="91440" tIns="45720" rIns="91440" bIns="45720" rtlCol="0">
+            <a:normAutofit/>
+          </a:bodyPr>
+          <a:lstStyle>
+            <a:lvl1pPr marL="228600" indent="-228600" algn="l" defTabSz="914400" rtl="0" eaLnBrk="1" latinLnBrk="0" hangingPunct="1">
+              <a:lnSpc>
+                <a:spcPct val="90000"/>
+              </a:lnSpc>
+              <a:spcBef>
+                <a:spcPts val="1000"/>
+              </a:spcBef>
+              <a:buFont typeface="Arial" panose="020B0604020202020204" pitchFamily="34" charset="0"/>
+              <a:buChar char="•"/>
+              <a:defRPr sz="2800" kern="1200">
+                <a:solidFill>
+                  <a:schemeClr val="tx1"/>
+                </a:solidFill>
+                <a:latin typeface="+mn-lt"/>
+                <a:ea typeface="+mn-ea"/>
+                <a:cs typeface="+mn-cs"/>
+              </a:defRPr>
+            </a:lvl1pPr>
+            <a:lvl2pPr marL="685800" indent="-228600" algn="l" defTabSz="914400" rtl="0" eaLnBrk="1" latinLnBrk="0" hangingPunct="1">
+              <a:lnSpc>
+                <a:spcPct val="90000"/>
+              </a:lnSpc>
+              <a:spcBef>
+                <a:spcPts val="500"/>
+              </a:spcBef>
+              <a:buFont typeface="Arial" panose="020B0604020202020204" pitchFamily="34" charset="0"/>
+              <a:buChar char="•"/>
+              <a:defRPr sz="2400" kern="1200">
+                <a:solidFill>
+                  <a:schemeClr val="tx1"/>
+                </a:solidFill>
+                <a:latin typeface="+mn-lt"/>
+                <a:ea typeface="+mn-ea"/>
+                <a:cs typeface="+mn-cs"/>
+              </a:defRPr>
+            </a:lvl2pPr>
+            <a:lvl3pPr marL="1143000" indent="-228600" algn="l" defTabSz="914400" rtl="0" eaLnBrk="1" latinLnBrk="0" hangingPunct="1">
+              <a:lnSpc>
+                <a:spcPct val="90000"/>
+              </a:lnSpc>
+              <a:spcBef>
+                <a:spcPts val="500"/>
+              </a:spcBef>
+              <a:buFont typeface="Arial" panose="020B0604020202020204" pitchFamily="34" charset="0"/>
+              <a:buChar char="•"/>
+              <a:defRPr sz="2000" kern="1200">
+                <a:solidFill>
+                  <a:schemeClr val="tx1"/>
+                </a:solidFill>
+                <a:latin typeface="+mn-lt"/>
+                <a:ea typeface="+mn-ea"/>
+                <a:cs typeface="+mn-cs"/>
+              </a:defRPr>
+            </a:lvl3pPr>
+            <a:lvl4pPr marL="1600200" indent="-228600" algn="l" defTabSz="914400" rtl="0" eaLnBrk="1" latinLnBrk="0" hangingPunct="1">
+              <a:lnSpc>
+                <a:spcPct val="90000"/>
+              </a:lnSpc>
+              <a:spcBef>
+                <a:spcPts val="500"/>
+              </a:spcBef>
+              <a:buFont typeface="Arial" panose="020B0604020202020204" pitchFamily="34" charset="0"/>
+              <a:buChar char="•"/>
+              <a:defRPr sz="1800" kern="1200">
+                <a:solidFill>
+                  <a:schemeClr val="tx1"/>
+                </a:solidFill>
+                <a:latin typeface="+mn-lt"/>
+                <a:ea typeface="+mn-ea"/>
+                <a:cs typeface="+mn-cs"/>
+              </a:defRPr>
+            </a:lvl4pPr>
+            <a:lvl5pPr marL="2057400" indent="-228600" algn="l" defTabSz="914400" rtl="0" eaLnBrk="1" latinLnBrk="0" hangingPunct="1">
+              <a:lnSpc>
+                <a:spcPct val="90000"/>
+              </a:lnSpc>
+              <a:spcBef>
+                <a:spcPts val="500"/>
+              </a:spcBef>
+              <a:buFont typeface="Arial" panose="020B0604020202020204" pitchFamily="34" charset="0"/>
+              <a:buChar char="•"/>
+              <a:defRPr sz="1800" kern="1200">
+                <a:solidFill>
+                  <a:schemeClr val="tx1"/>
+                </a:solidFill>
+                <a:latin typeface="+mn-lt"/>
+                <a:ea typeface="+mn-ea"/>
+                <a:cs typeface="+mn-cs"/>
+              </a:defRPr>
+            </a:lvl5pPr>
+            <a:lvl6pPr marL="2514600" indent="-228600" algn="l" defTabSz="914400" rtl="0" eaLnBrk="1" latinLnBrk="0" hangingPunct="1">
+              <a:lnSpc>
+                <a:spcPct val="90000"/>
+              </a:lnSpc>
+              <a:spcBef>
+                <a:spcPts val="500"/>
+              </a:spcBef>
+              <a:buFont typeface="Arial" panose="020B0604020202020204" pitchFamily="34" charset="0"/>
+              <a:buChar char="•"/>
+              <a:defRPr sz="1800" kern="1200">
+                <a:solidFill>
+                  <a:schemeClr val="tx1"/>
+                </a:solidFill>
+                <a:latin typeface="+mn-lt"/>
+                <a:ea typeface="+mn-ea"/>
+                <a:cs typeface="+mn-cs"/>
+              </a:defRPr>
+            </a:lvl6pPr>
+            <a:lvl7pPr marL="2971800" indent="-228600" algn="l" defTabSz="914400" rtl="0" eaLnBrk="1" latinLnBrk="0" hangingPunct="1">
+              <a:lnSpc>
+                <a:spcPct val="90000"/>
+              </a:lnSpc>
+              <a:spcBef>
+                <a:spcPts val="500"/>
+              </a:spcBef>
+              <a:buFont typeface="Arial" panose="020B0604020202020204" pitchFamily="34" charset="0"/>
+              <a:buChar char="•"/>
+              <a:defRPr sz="1800" kern="1200">
+                <a:solidFill>
+                  <a:schemeClr val="tx1"/>
+                </a:solidFill>
+                <a:latin typeface="+mn-lt"/>
+                <a:ea typeface="+mn-ea"/>
+                <a:cs typeface="+mn-cs"/>
+              </a:defRPr>
+            </a:lvl7pPr>
+            <a:lvl8pPr marL="3429000" indent="-228600" algn="l" defTabSz="914400" rtl="0" eaLnBrk="1" latinLnBrk="0" hangingPunct="1">
+              <a:lnSpc>
+                <a:spcPct val="90000"/>
+              </a:lnSpc>
+              <a:spcBef>
+                <a:spcPts val="500"/>
+              </a:spcBef>
+              <a:buFont typeface="Arial" panose="020B0604020202020204" pitchFamily="34" charset="0"/>
+              <a:buChar char="•"/>
+              <a:defRPr sz="1800" kern="1200">
+                <a:solidFill>
+                  <a:schemeClr val="tx1"/>
+                </a:solidFill>
+                <a:latin typeface="+mn-lt"/>
+                <a:ea typeface="+mn-ea"/>
+                <a:cs typeface="+mn-cs"/>
+              </a:defRPr>
+            </a:lvl8pPr>
+            <a:lvl9pPr marL="3886200" indent="-228600" algn="l" defTabSz="914400" rtl="0" eaLnBrk="1" latinLnBrk="0" hangingPunct="1">
+              <a:lnSpc>
+                <a:spcPct val="90000"/>
+              </a:lnSpc>
+              <a:spcBef>
+                <a:spcPts val="500"/>
+              </a:spcBef>
+              <a:buFont typeface="Arial" panose="020B0604020202020204" pitchFamily="34" charset="0"/>
+              <a:buChar char="•"/>
+              <a:defRPr sz="1800" kern="1200">
+                <a:solidFill>
+                  <a:schemeClr val="tx1"/>
+                </a:solidFill>
+                <a:latin typeface="+mn-lt"/>
+                <a:ea typeface="+mn-ea"/>
+                <a:cs typeface="+mn-cs"/>
+              </a:defRPr>
+            </a:lvl9pPr>
+          </a:lstStyle>
+          <a:p>
+            <a:r>
+              <a:rPr lang="en-US" dirty="0"/>
+              <a:t>Security</a:t>
+            </a:r>
+          </a:p>
+          <a:p>
+            <a:r>
+              <a:rPr lang="en-US" dirty="0"/>
+              <a:t>Monitoring &amp; logging</a:t>
+            </a:r>
+          </a:p>
+          <a:p>
+            <a:r>
+              <a:rPr lang="en-US" dirty="0"/>
+              <a:t>Scalability</a:t>
+            </a:r>
+          </a:p>
+          <a:p>
+            <a:r>
+              <a:rPr lang="en-US" dirty="0"/>
+              <a:t>Documentation</a:t>
+            </a:r>
+          </a:p>
+          <a:p>
+            <a:r>
+              <a:rPr lang="en-US" dirty="0"/>
+              <a:t>Regular maintenance</a:t>
+            </a:r>
+          </a:p>
+          <a:p>
+            <a:r>
+              <a:rPr lang="en-US" dirty="0"/>
+              <a:t>Testing</a:t>
+            </a:r>
+          </a:p>
+        </p:txBody>
+      </p:sp>
+    </p:spTree>
+    <p:extLst>
+      <p:ext uri="{BB962C8B-B14F-4D97-AF65-F5344CB8AC3E}">
+        <p14:creationId xmlns:p14="http://schemas.microsoft.com/office/powerpoint/2010/main" val="2190473532"/>
+      </p:ext>
+    </p:extLst>
+  </p:cSld>
+  <p:clrMapOvr>
+    <a:masterClrMapping/>
+  </p:clrMapOvr>
+</p:sld>
+</file>
+
+<file path=ppt/slides/slide11.xml><?xml version="1.0" encoding="utf-8"?>
+<p:sld xmlns:a="http://schemas.openxmlformats.org/drawingml/2006/main" xmlns:r="http://schemas.openxmlformats.org/officeDocument/2006/relationships" xmlns:p="http://schemas.openxmlformats.org/presentationml/2006/main">
+  <p:cSld>
+    <p:spTree>
+      <p:nvGrpSpPr>
+        <p:cNvPr id="1" name=""/>
+        <p:cNvGrpSpPr/>
+        <p:nvPr/>
+      </p:nvGrpSpPr>
+      <p:grpSpPr>
+        <a:xfrm>
+          <a:off x="0" y="0"/>
+          <a:ext cx="0" cy="0"/>
+          <a:chOff x="0" y="0"/>
+          <a:chExt cx="0" cy="0"/>
+        </a:xfrm>
+      </p:grpSpPr>
+      <p:sp>
+        <p:nvSpPr>
+          <p:cNvPr id="2" name="Title 1">
+            <a:extLst>
+              <a:ext uri="{FF2B5EF4-FFF2-40B4-BE49-F238E27FC236}">
+                <a16:creationId xmlns:a16="http://schemas.microsoft.com/office/drawing/2014/main" id="{00EE3A21-BDBE-5085-38C0-D251F1F95A2A}"/>
+              </a:ext>
+            </a:extLst>
+          </p:cNvPr>
+          <p:cNvSpPr>
+            <a:spLocks noGrp="1"/>
+          </p:cNvSpPr>
+          <p:nvPr>
+            <p:ph type="title"/>
+          </p:nvPr>
+        </p:nvSpPr>
+        <p:spPr/>
+        <p:txBody>
+          <a:bodyPr>
+            <a:normAutofit/>
+          </a:bodyPr>
+          <a:lstStyle/>
+          <a:p>
+            <a:r>
+              <a:rPr lang="en-US" dirty="0"/>
+              <a:t>What are the limitation of RDBMS?</a:t>
+            </a:r>
+          </a:p>
+        </p:txBody>
+      </p:sp>
+      <p:sp>
+        <p:nvSpPr>
+          <p:cNvPr id="3" name="Content Placeholder 2">
+            <a:extLst>
+              <a:ext uri="{FF2B5EF4-FFF2-40B4-BE49-F238E27FC236}">
+                <a16:creationId xmlns:a16="http://schemas.microsoft.com/office/drawing/2014/main" id="{4F249C44-F9BE-39FB-9564-49091C2FC3F2}"/>
+              </a:ext>
+            </a:extLst>
+          </p:cNvPr>
+          <p:cNvSpPr>
+            <a:spLocks noGrp="1"/>
+          </p:cNvSpPr>
+          <p:nvPr>
+            <p:ph idx="1"/>
+          </p:nvPr>
+        </p:nvSpPr>
+        <p:spPr>
+          <a:xfrm>
+            <a:off x="838200" y="1825625"/>
+            <a:ext cx="5257800" cy="4351338"/>
+          </a:xfrm>
+        </p:spPr>
+        <p:txBody>
+          <a:bodyPr/>
+          <a:lstStyle/>
+          <a:p>
+            <a:r>
+              <a:rPr lang="en-US" dirty="0"/>
+              <a:t>Scalability</a:t>
+            </a:r>
+          </a:p>
+          <a:p>
+            <a:r>
+              <a:rPr lang="en-US" dirty="0"/>
+              <a:t>Schema rigidity</a:t>
+            </a:r>
+          </a:p>
+          <a:p>
+            <a:r>
+              <a:rPr lang="en-US" dirty="0"/>
+              <a:t>Performance impact of joins</a:t>
+            </a:r>
+          </a:p>
+          <a:p>
+            <a:r>
+              <a:rPr lang="en-US" dirty="0"/>
+              <a:t>Complexity in queries</a:t>
+            </a:r>
+          </a:p>
+          <a:p>
+            <a:r>
+              <a:rPr lang="en-US" dirty="0"/>
+              <a:t>Not ideal for hierarchical data</a:t>
+            </a:r>
+          </a:p>
+        </p:txBody>
+      </p:sp>
+      <p:sp>
+        <p:nvSpPr>
+          <p:cNvPr id="4" name="Date Placeholder 3">
+            <a:extLst>
+              <a:ext uri="{FF2B5EF4-FFF2-40B4-BE49-F238E27FC236}">
+                <a16:creationId xmlns:a16="http://schemas.microsoft.com/office/drawing/2014/main" id="{E24B5A0F-F5AD-9413-2539-81A9A4C7D209}"/>
+              </a:ext>
+            </a:extLst>
+          </p:cNvPr>
+          <p:cNvSpPr>
+            <a:spLocks noGrp="1"/>
+          </p:cNvSpPr>
+          <p:nvPr>
+            <p:ph type="dt" sz="half" idx="10"/>
+          </p:nvPr>
+        </p:nvSpPr>
+        <p:spPr/>
+        <p:txBody>
+          <a:bodyPr/>
+          <a:lstStyle/>
+          <a:p>
+            <a:r>
+              <a:rPr lang="vi-VN"/>
+              <a:t>19/12/2023</a:t>
+            </a:r>
+            <a:endParaRPr lang="en-US" dirty="0"/>
+          </a:p>
+        </p:txBody>
+      </p:sp>
+      <p:sp>
+        <p:nvSpPr>
+          <p:cNvPr id="5" name="Footer Placeholder 4">
+            <a:extLst>
+              <a:ext uri="{FF2B5EF4-FFF2-40B4-BE49-F238E27FC236}">
+                <a16:creationId xmlns:a16="http://schemas.microsoft.com/office/drawing/2014/main" id="{120A528F-3916-77A6-2620-C8759E7FB2B5}"/>
+              </a:ext>
+            </a:extLst>
+          </p:cNvPr>
+          <p:cNvSpPr>
+            <a:spLocks noGrp="1"/>
+          </p:cNvSpPr>
+          <p:nvPr>
+            <p:ph type="ftr" sz="quarter" idx="11"/>
+          </p:nvPr>
+        </p:nvSpPr>
+        <p:spPr/>
+        <p:txBody>
+          <a:bodyPr/>
+          <a:lstStyle/>
+          <a:p>
+            <a:r>
+              <a:rPr lang="en-US"/>
+              <a:t>GSI</a:t>
+            </a:r>
+            <a:endParaRPr lang="en-US" dirty="0"/>
+          </a:p>
+        </p:txBody>
+      </p:sp>
+      <p:sp>
+        <p:nvSpPr>
+          <p:cNvPr id="6" name="Slide Number Placeholder 5">
+            <a:extLst>
+              <a:ext uri="{FF2B5EF4-FFF2-40B4-BE49-F238E27FC236}">
+                <a16:creationId xmlns:a16="http://schemas.microsoft.com/office/drawing/2014/main" id="{679DF3A7-EBC2-77F2-6C56-DF7379DBEED1}"/>
+              </a:ext>
+            </a:extLst>
+          </p:cNvPr>
+          <p:cNvSpPr>
+            <a:spLocks noGrp="1"/>
+          </p:cNvSpPr>
+          <p:nvPr>
+            <p:ph type="sldNum" sz="quarter" idx="12"/>
+          </p:nvPr>
+        </p:nvSpPr>
+        <p:spPr/>
+        <p:txBody>
+          <a:bodyPr/>
+          <a:lstStyle/>
+          <a:p>
+            <a:fld id="{2FB79C59-F32A-44C5-BD88-D6F83C6AD380}" type="slidenum">
+              <a:rPr lang="en-US" smtClean="0"/>
+              <a:t>11</a:t>
+            </a:fld>
+            <a:endParaRPr lang="en-US"/>
+          </a:p>
+        </p:txBody>
+      </p:sp>
+      <p:sp>
+        <p:nvSpPr>
+          <p:cNvPr id="7" name="Content Placeholder 2">
+            <a:extLst>
+              <a:ext uri="{FF2B5EF4-FFF2-40B4-BE49-F238E27FC236}">
+                <a16:creationId xmlns:a16="http://schemas.microsoft.com/office/drawing/2014/main" id="{9C51E7C5-334A-C541-7FBE-993A12EAA9A1}"/>
+              </a:ext>
+            </a:extLst>
+          </p:cNvPr>
+          <p:cNvSpPr txBox="1">
+            <a:spLocks/>
+          </p:cNvSpPr>
+          <p:nvPr/>
+        </p:nvSpPr>
+        <p:spPr>
+          <a:xfrm>
+            <a:off x="6096000" y="1690688"/>
+            <a:ext cx="5257800" cy="4351338"/>
+          </a:xfrm>
+          <a:prstGeom prst="rect">
+            <a:avLst/>
+          </a:prstGeom>
+        </p:spPr>
+        <p:txBody>
+          <a:bodyPr vert="horz" lIns="91440" tIns="45720" rIns="91440" bIns="45720" rtlCol="0">
+            <a:normAutofit/>
+          </a:bodyPr>
+          <a:lstStyle>
+            <a:lvl1pPr marL="228600" indent="-228600" defTabSz="914400">
+              <a:lnSpc>
+                <a:spcPct val="90000"/>
+              </a:lnSpc>
+              <a:spcBef>
+                <a:spcPts val="1000"/>
+              </a:spcBef>
+              <a:buFont typeface="Arial" panose="020B0604020202020204" pitchFamily="34" charset="0"/>
+              <a:buChar char="•"/>
+              <a:defRPr sz="2800"/>
+            </a:lvl1pPr>
+            <a:lvl2pPr marL="685800" indent="-228600" defTabSz="914400">
+              <a:lnSpc>
+                <a:spcPct val="90000"/>
+              </a:lnSpc>
+              <a:spcBef>
+                <a:spcPts val="500"/>
+              </a:spcBef>
+              <a:buFont typeface="Arial" panose="020B0604020202020204" pitchFamily="34" charset="0"/>
+              <a:buChar char="•"/>
+              <a:defRPr sz="2400"/>
+            </a:lvl2pPr>
+            <a:lvl3pPr marL="1143000" indent="-228600" defTabSz="914400">
+              <a:lnSpc>
+                <a:spcPct val="90000"/>
+              </a:lnSpc>
+              <a:spcBef>
+                <a:spcPts val="500"/>
+              </a:spcBef>
+              <a:buFont typeface="Arial" panose="020B0604020202020204" pitchFamily="34" charset="0"/>
+              <a:buChar char="•"/>
+              <a:defRPr sz="2000"/>
+            </a:lvl3pPr>
+            <a:lvl4pPr marL="1600200" indent="-228600" defTabSz="914400">
+              <a:lnSpc>
+                <a:spcPct val="90000"/>
+              </a:lnSpc>
+              <a:spcBef>
+                <a:spcPts val="500"/>
+              </a:spcBef>
+              <a:buFont typeface="Arial" panose="020B0604020202020204" pitchFamily="34" charset="0"/>
+              <a:buChar char="•"/>
+            </a:lvl4pPr>
+            <a:lvl5pPr marL="2057400" indent="-228600" defTabSz="914400">
+              <a:lnSpc>
+                <a:spcPct val="90000"/>
+              </a:lnSpc>
+              <a:spcBef>
+                <a:spcPts val="500"/>
+              </a:spcBef>
+              <a:buFont typeface="Arial" panose="020B0604020202020204" pitchFamily="34" charset="0"/>
+              <a:buChar char="•"/>
+            </a:lvl5pPr>
+            <a:lvl6pPr marL="2514600" indent="-228600" defTabSz="914400">
+              <a:lnSpc>
+                <a:spcPct val="90000"/>
+              </a:lnSpc>
+              <a:spcBef>
+                <a:spcPts val="500"/>
+              </a:spcBef>
+              <a:buFont typeface="Arial" panose="020B0604020202020204" pitchFamily="34" charset="0"/>
+              <a:buChar char="•"/>
+            </a:lvl6pPr>
+            <a:lvl7pPr marL="2971800" indent="-228600" defTabSz="914400">
+              <a:lnSpc>
+                <a:spcPct val="90000"/>
+              </a:lnSpc>
+              <a:spcBef>
+                <a:spcPts val="500"/>
+              </a:spcBef>
+              <a:buFont typeface="Arial" panose="020B0604020202020204" pitchFamily="34" charset="0"/>
+              <a:buChar char="•"/>
+            </a:lvl7pPr>
+            <a:lvl8pPr marL="3429000" indent="-228600" defTabSz="914400">
+              <a:lnSpc>
+                <a:spcPct val="90000"/>
+              </a:lnSpc>
+              <a:spcBef>
+                <a:spcPts val="500"/>
+              </a:spcBef>
+              <a:buFont typeface="Arial" panose="020B0604020202020204" pitchFamily="34" charset="0"/>
+              <a:buChar char="•"/>
+            </a:lvl8pPr>
+            <a:lvl9pPr marL="3886200" indent="-228600" defTabSz="914400">
+              <a:lnSpc>
+                <a:spcPct val="90000"/>
+              </a:lnSpc>
+              <a:spcBef>
+                <a:spcPts val="500"/>
+              </a:spcBef>
+              <a:buFont typeface="Arial" panose="020B0604020202020204" pitchFamily="34" charset="0"/>
+              <a:buChar char="•"/>
+            </a:lvl9pPr>
+          </a:lstStyle>
+          <a:p>
+            <a:r>
+              <a:rPr lang="en-US" dirty="0"/>
+              <a:t>Limited support for JSON, XML</a:t>
+            </a:r>
+          </a:p>
+          <a:p>
+            <a:r>
+              <a:rPr lang="en-US" dirty="0"/>
+              <a:t>Concurrency &amp; Locking</a:t>
+            </a:r>
+          </a:p>
+          <a:p>
+            <a:r>
+              <a:rPr lang="en-US" dirty="0"/>
+              <a:t>Cost of ownership</a:t>
+            </a:r>
+          </a:p>
+          <a:p>
+            <a:r>
+              <a:rPr lang="en-US" dirty="0"/>
+              <a:t>Not always ideal for big data</a:t>
+            </a:r>
+          </a:p>
+          <a:p>
+            <a:endParaRPr lang="en-US" dirty="0"/>
+          </a:p>
+          <a:p>
+            <a:endParaRPr lang="en-US" dirty="0"/>
+          </a:p>
+        </p:txBody>
+      </p:sp>
+    </p:spTree>
+    <p:extLst>
+      <p:ext uri="{BB962C8B-B14F-4D97-AF65-F5344CB8AC3E}">
+        <p14:creationId xmlns:p14="http://schemas.microsoft.com/office/powerpoint/2010/main" val="1028103819"/>
+      </p:ext>
+    </p:extLst>
+  </p:cSld>
+  <p:clrMapOvr>
+    <a:masterClrMapping/>
+  </p:clrMapOvr>
+</p:sld>
+</file>
+
 <file path=ppt/slides/slide2.xml><?xml version="1.0" encoding="utf-8"?>
 <p:sld xmlns:a="http://schemas.openxmlformats.org/drawingml/2006/main" xmlns:r="http://schemas.openxmlformats.org/officeDocument/2006/relationships" xmlns:p="http://schemas.openxmlformats.org/presentationml/2006/main">
   <p:cSld>
@@ -5668,6 +6477,1705 @@
     <p:extLst>
       <p:ext uri="{BB962C8B-B14F-4D97-AF65-F5344CB8AC3E}">
         <p14:creationId xmlns:p14="http://schemas.microsoft.com/office/powerpoint/2010/main" val="2311812591"/>
+      </p:ext>
+    </p:extLst>
+  </p:cSld>
+  <p:clrMapOvr>
+    <a:masterClrMapping/>
+  </p:clrMapOvr>
+</p:sld>
+</file>
+
+<file path=ppt/slides/slide3.xml><?xml version="1.0" encoding="utf-8"?>
+<p:sld xmlns:a="http://schemas.openxmlformats.org/drawingml/2006/main" xmlns:r="http://schemas.openxmlformats.org/officeDocument/2006/relationships" xmlns:p="http://schemas.openxmlformats.org/presentationml/2006/main">
+  <p:cSld>
+    <p:spTree>
+      <p:nvGrpSpPr>
+        <p:cNvPr id="1" name=""/>
+        <p:cNvGrpSpPr/>
+        <p:nvPr/>
+      </p:nvGrpSpPr>
+      <p:grpSpPr>
+        <a:xfrm>
+          <a:off x="0" y="0"/>
+          <a:ext cx="0" cy="0"/>
+          <a:chOff x="0" y="0"/>
+          <a:chExt cx="0" cy="0"/>
+        </a:xfrm>
+      </p:grpSpPr>
+      <p:sp>
+        <p:nvSpPr>
+          <p:cNvPr id="2" name="Title 1">
+            <a:extLst>
+              <a:ext uri="{FF2B5EF4-FFF2-40B4-BE49-F238E27FC236}">
+                <a16:creationId xmlns:a16="http://schemas.microsoft.com/office/drawing/2014/main" id="{CD8DBFA2-680A-3BF3-C41A-A3F54C40CD5F}"/>
+              </a:ext>
+            </a:extLst>
+          </p:cNvPr>
+          <p:cNvSpPr>
+            <a:spLocks noGrp="1"/>
+          </p:cNvSpPr>
+          <p:nvPr>
+            <p:ph type="title"/>
+          </p:nvPr>
+        </p:nvSpPr>
+        <p:spPr>
+          <a:xfrm>
+            <a:off x="329241" y="235729"/>
+            <a:ext cx="10515600" cy="1325563"/>
+          </a:xfrm>
+        </p:spPr>
+        <p:txBody>
+          <a:bodyPr/>
+          <a:lstStyle/>
+          <a:p>
+            <a:r>
+              <a:rPr lang="en-US" dirty="0"/>
+              <a:t>Relational Database Management System (RDBMS)</a:t>
+            </a:r>
+          </a:p>
+        </p:txBody>
+      </p:sp>
+      <p:sp>
+        <p:nvSpPr>
+          <p:cNvPr id="3" name="Content Placeholder 2">
+            <a:extLst>
+              <a:ext uri="{FF2B5EF4-FFF2-40B4-BE49-F238E27FC236}">
+                <a16:creationId xmlns:a16="http://schemas.microsoft.com/office/drawing/2014/main" id="{D53F2D21-9AB9-047D-855B-1DC7B3355F53}"/>
+              </a:ext>
+            </a:extLst>
+          </p:cNvPr>
+          <p:cNvSpPr>
+            <a:spLocks noGrp="1"/>
+          </p:cNvSpPr>
+          <p:nvPr>
+            <p:ph idx="1"/>
+          </p:nvPr>
+        </p:nvSpPr>
+        <p:spPr>
+          <a:xfrm>
+            <a:off x="329241" y="1825625"/>
+            <a:ext cx="11024559" cy="4351338"/>
+          </a:xfrm>
+        </p:spPr>
+        <p:txBody>
+          <a:bodyPr/>
+          <a:lstStyle/>
+          <a:p>
+            <a:pPr marL="514350" indent="-514350">
+              <a:buFont typeface="+mj-lt"/>
+              <a:buAutoNum type="arabicPeriod"/>
+            </a:pPr>
+            <a:r>
+              <a:rPr lang="en-US" dirty="0"/>
+              <a:t>What is a Relational Database Management System (RDBMS)?</a:t>
+            </a:r>
+          </a:p>
+          <a:p>
+            <a:pPr marL="514350" indent="-514350">
+              <a:buFont typeface="+mj-lt"/>
+              <a:buAutoNum type="arabicPeriod"/>
+            </a:pPr>
+            <a:r>
+              <a:rPr lang="en-US" dirty="0"/>
+              <a:t>What are the benefits of RDBMS?</a:t>
+            </a:r>
+          </a:p>
+          <a:p>
+            <a:pPr marL="514350" indent="-514350">
+              <a:buFont typeface="+mj-lt"/>
+              <a:buAutoNum type="arabicPeriod"/>
+            </a:pPr>
+            <a:r>
+              <a:rPr lang="en-US" dirty="0"/>
+              <a:t>What are DB-Views and why we should use them?</a:t>
+            </a:r>
+          </a:p>
+          <a:p>
+            <a:pPr marL="514350" indent="-514350">
+              <a:buFont typeface="+mj-lt"/>
+              <a:buAutoNum type="arabicPeriod"/>
+            </a:pPr>
+            <a:r>
+              <a:rPr lang="en-US" dirty="0"/>
+              <a:t>What are the best practices in using RDBMS?</a:t>
+            </a:r>
+          </a:p>
+          <a:p>
+            <a:pPr marL="514350" indent="-514350">
+              <a:buFont typeface="+mj-lt"/>
+              <a:buAutoNum type="arabicPeriod"/>
+            </a:pPr>
+            <a:r>
+              <a:rPr lang="en-US" dirty="0"/>
+              <a:t>What are the limitation of RDBMS?</a:t>
+            </a:r>
+          </a:p>
+        </p:txBody>
+      </p:sp>
+      <p:sp>
+        <p:nvSpPr>
+          <p:cNvPr id="4" name="Date Placeholder 3">
+            <a:extLst>
+              <a:ext uri="{FF2B5EF4-FFF2-40B4-BE49-F238E27FC236}">
+                <a16:creationId xmlns:a16="http://schemas.microsoft.com/office/drawing/2014/main" id="{F6FE9A89-9450-CCC4-C92B-C245B0FE2665}"/>
+              </a:ext>
+            </a:extLst>
+          </p:cNvPr>
+          <p:cNvSpPr>
+            <a:spLocks noGrp="1"/>
+          </p:cNvSpPr>
+          <p:nvPr>
+            <p:ph type="dt" sz="half" idx="10"/>
+          </p:nvPr>
+        </p:nvSpPr>
+        <p:spPr/>
+        <p:txBody>
+          <a:bodyPr/>
+          <a:lstStyle/>
+          <a:p>
+            <a:r>
+              <a:rPr lang="vi-VN"/>
+              <a:t>19/12/2023</a:t>
+            </a:r>
+            <a:endParaRPr lang="en-US" dirty="0"/>
+          </a:p>
+        </p:txBody>
+      </p:sp>
+      <p:sp>
+        <p:nvSpPr>
+          <p:cNvPr id="5" name="Footer Placeholder 4">
+            <a:extLst>
+              <a:ext uri="{FF2B5EF4-FFF2-40B4-BE49-F238E27FC236}">
+                <a16:creationId xmlns:a16="http://schemas.microsoft.com/office/drawing/2014/main" id="{722EA583-5416-4CF2-E8B5-B1C8A99907D1}"/>
+              </a:ext>
+            </a:extLst>
+          </p:cNvPr>
+          <p:cNvSpPr>
+            <a:spLocks noGrp="1"/>
+          </p:cNvSpPr>
+          <p:nvPr>
+            <p:ph type="ftr" sz="quarter" idx="11"/>
+          </p:nvPr>
+        </p:nvSpPr>
+        <p:spPr/>
+        <p:txBody>
+          <a:bodyPr/>
+          <a:lstStyle/>
+          <a:p>
+            <a:r>
+              <a:rPr lang="en-US"/>
+              <a:t>GSI</a:t>
+            </a:r>
+            <a:endParaRPr lang="en-US" dirty="0"/>
+          </a:p>
+        </p:txBody>
+      </p:sp>
+      <p:sp>
+        <p:nvSpPr>
+          <p:cNvPr id="6" name="Slide Number Placeholder 5">
+            <a:extLst>
+              <a:ext uri="{FF2B5EF4-FFF2-40B4-BE49-F238E27FC236}">
+                <a16:creationId xmlns:a16="http://schemas.microsoft.com/office/drawing/2014/main" id="{7DF0DB49-F80E-4138-DC02-F8826C638FC9}"/>
+              </a:ext>
+            </a:extLst>
+          </p:cNvPr>
+          <p:cNvSpPr>
+            <a:spLocks noGrp="1"/>
+          </p:cNvSpPr>
+          <p:nvPr>
+            <p:ph type="sldNum" sz="quarter" idx="12"/>
+          </p:nvPr>
+        </p:nvSpPr>
+        <p:spPr/>
+        <p:txBody>
+          <a:bodyPr/>
+          <a:lstStyle/>
+          <a:p>
+            <a:fld id="{2FB79C59-F32A-44C5-BD88-D6F83C6AD380}" type="slidenum">
+              <a:rPr lang="en-US" smtClean="0"/>
+              <a:t>3</a:t>
+            </a:fld>
+            <a:endParaRPr lang="en-US"/>
+          </a:p>
+        </p:txBody>
+      </p:sp>
+    </p:spTree>
+    <p:extLst>
+      <p:ext uri="{BB962C8B-B14F-4D97-AF65-F5344CB8AC3E}">
+        <p14:creationId xmlns:p14="http://schemas.microsoft.com/office/powerpoint/2010/main" val="3569004937"/>
+      </p:ext>
+    </p:extLst>
+  </p:cSld>
+  <p:clrMapOvr>
+    <a:masterClrMapping/>
+  </p:clrMapOvr>
+</p:sld>
+</file>
+
+<file path=ppt/slides/slide4.xml><?xml version="1.0" encoding="utf-8"?>
+<p:sld xmlns:a="http://schemas.openxmlformats.org/drawingml/2006/main" xmlns:r="http://schemas.openxmlformats.org/officeDocument/2006/relationships" xmlns:p="http://schemas.openxmlformats.org/presentationml/2006/main">
+  <p:cSld>
+    <p:spTree>
+      <p:nvGrpSpPr>
+        <p:cNvPr id="1" name=""/>
+        <p:cNvGrpSpPr/>
+        <p:nvPr/>
+      </p:nvGrpSpPr>
+      <p:grpSpPr>
+        <a:xfrm>
+          <a:off x="0" y="0"/>
+          <a:ext cx="0" cy="0"/>
+          <a:chOff x="0" y="0"/>
+          <a:chExt cx="0" cy="0"/>
+        </a:xfrm>
+      </p:grpSpPr>
+      <p:sp>
+        <p:nvSpPr>
+          <p:cNvPr id="2" name="Title 1">
+            <a:extLst>
+              <a:ext uri="{FF2B5EF4-FFF2-40B4-BE49-F238E27FC236}">
+                <a16:creationId xmlns:a16="http://schemas.microsoft.com/office/drawing/2014/main" id="{90C53E14-0A6B-3FF0-FCEF-CAA896CDF928}"/>
+              </a:ext>
+            </a:extLst>
+          </p:cNvPr>
+          <p:cNvSpPr>
+            <a:spLocks noGrp="1"/>
+          </p:cNvSpPr>
+          <p:nvPr>
+            <p:ph type="title"/>
+          </p:nvPr>
+        </p:nvSpPr>
+        <p:spPr/>
+        <p:txBody>
+          <a:bodyPr>
+            <a:normAutofit/>
+          </a:bodyPr>
+          <a:lstStyle/>
+          <a:p>
+            <a:r>
+              <a:rPr lang="en-US" dirty="0"/>
+              <a:t>What is a Relational Database Management System (RDBMS)?</a:t>
+            </a:r>
+          </a:p>
+        </p:txBody>
+      </p:sp>
+      <p:sp>
+        <p:nvSpPr>
+          <p:cNvPr id="3" name="Content Placeholder 2">
+            <a:extLst>
+              <a:ext uri="{FF2B5EF4-FFF2-40B4-BE49-F238E27FC236}">
+                <a16:creationId xmlns:a16="http://schemas.microsoft.com/office/drawing/2014/main" id="{851586C5-137C-E508-E4D3-7D6703BB57A9}"/>
+              </a:ext>
+            </a:extLst>
+          </p:cNvPr>
+          <p:cNvSpPr>
+            <a:spLocks noGrp="1"/>
+          </p:cNvSpPr>
+          <p:nvPr>
+            <p:ph idx="1"/>
+          </p:nvPr>
+        </p:nvSpPr>
+        <p:spPr/>
+        <p:txBody>
+          <a:bodyPr/>
+          <a:lstStyle/>
+          <a:p>
+            <a:r>
+              <a:rPr lang="en-US" dirty="0"/>
+              <a:t>RDBMS was introduced by Edgar </a:t>
+            </a:r>
+            <a:r>
+              <a:rPr lang="en-US" dirty="0" err="1"/>
+              <a:t>F.Codd</a:t>
+            </a:r>
+            <a:r>
+              <a:rPr lang="en-US" dirty="0"/>
+              <a:t> in 1970.</a:t>
+            </a:r>
+          </a:p>
+          <a:p>
+            <a:r>
+              <a:rPr lang="en-US" dirty="0"/>
+              <a:t>Type of database management system that is built based on the rules of </a:t>
+            </a:r>
+            <a:r>
+              <a:rPr lang="en-US" dirty="0">
+                <a:solidFill>
+                  <a:schemeClr val="accent4">
+                    <a:lumMod val="50000"/>
+                  </a:schemeClr>
+                </a:solidFill>
+              </a:rPr>
+              <a:t>a</a:t>
+            </a:r>
+            <a:r>
+              <a:rPr lang="en-US" dirty="0"/>
+              <a:t> </a:t>
+            </a:r>
+            <a:r>
+              <a:rPr lang="en-US" dirty="0">
+                <a:solidFill>
+                  <a:schemeClr val="accent4">
+                    <a:lumMod val="50000"/>
+                  </a:schemeClr>
+                </a:solidFill>
+              </a:rPr>
+              <a:t>relational model</a:t>
+            </a:r>
+            <a:r>
+              <a:rPr lang="en-US" dirty="0"/>
+              <a:t>.</a:t>
+            </a:r>
+          </a:p>
+          <a:p>
+            <a:r>
+              <a:rPr lang="en-US" dirty="0"/>
+              <a:t>Organizationally. it includes tables &amp; relations.</a:t>
+            </a:r>
+          </a:p>
+          <a:p>
+            <a:r>
+              <a:rPr lang="en-US" dirty="0"/>
+              <a:t>Popular RDBMS: MySQL, PostgreSQL, Oracle Database, Microsoft SQL Server.</a:t>
+            </a:r>
+          </a:p>
+        </p:txBody>
+      </p:sp>
+      <p:sp>
+        <p:nvSpPr>
+          <p:cNvPr id="4" name="Date Placeholder 3">
+            <a:extLst>
+              <a:ext uri="{FF2B5EF4-FFF2-40B4-BE49-F238E27FC236}">
+                <a16:creationId xmlns:a16="http://schemas.microsoft.com/office/drawing/2014/main" id="{5E2F69DA-6B85-CB97-72C0-6821E8D52D31}"/>
+              </a:ext>
+            </a:extLst>
+          </p:cNvPr>
+          <p:cNvSpPr>
+            <a:spLocks noGrp="1"/>
+          </p:cNvSpPr>
+          <p:nvPr>
+            <p:ph type="dt" sz="half" idx="10"/>
+          </p:nvPr>
+        </p:nvSpPr>
+        <p:spPr/>
+        <p:txBody>
+          <a:bodyPr/>
+          <a:lstStyle/>
+          <a:p>
+            <a:r>
+              <a:rPr lang="vi-VN"/>
+              <a:t>19/12/2023</a:t>
+            </a:r>
+            <a:endParaRPr lang="en-US" dirty="0"/>
+          </a:p>
+        </p:txBody>
+      </p:sp>
+      <p:sp>
+        <p:nvSpPr>
+          <p:cNvPr id="5" name="Footer Placeholder 4">
+            <a:extLst>
+              <a:ext uri="{FF2B5EF4-FFF2-40B4-BE49-F238E27FC236}">
+                <a16:creationId xmlns:a16="http://schemas.microsoft.com/office/drawing/2014/main" id="{F50623EA-B4CB-EA38-1F36-E5CCC331388F}"/>
+              </a:ext>
+            </a:extLst>
+          </p:cNvPr>
+          <p:cNvSpPr>
+            <a:spLocks noGrp="1"/>
+          </p:cNvSpPr>
+          <p:nvPr>
+            <p:ph type="ftr" sz="quarter" idx="11"/>
+          </p:nvPr>
+        </p:nvSpPr>
+        <p:spPr/>
+        <p:txBody>
+          <a:bodyPr/>
+          <a:lstStyle/>
+          <a:p>
+            <a:r>
+              <a:rPr lang="en-US"/>
+              <a:t>GSI</a:t>
+            </a:r>
+            <a:endParaRPr lang="en-US" dirty="0"/>
+          </a:p>
+        </p:txBody>
+      </p:sp>
+      <p:sp>
+        <p:nvSpPr>
+          <p:cNvPr id="6" name="Slide Number Placeholder 5">
+            <a:extLst>
+              <a:ext uri="{FF2B5EF4-FFF2-40B4-BE49-F238E27FC236}">
+                <a16:creationId xmlns:a16="http://schemas.microsoft.com/office/drawing/2014/main" id="{542C795C-4D7A-78A4-1615-3F0E6A009428}"/>
+              </a:ext>
+            </a:extLst>
+          </p:cNvPr>
+          <p:cNvSpPr>
+            <a:spLocks noGrp="1"/>
+          </p:cNvSpPr>
+          <p:nvPr>
+            <p:ph type="sldNum" sz="quarter" idx="12"/>
+          </p:nvPr>
+        </p:nvSpPr>
+        <p:spPr/>
+        <p:txBody>
+          <a:bodyPr/>
+          <a:lstStyle/>
+          <a:p>
+            <a:fld id="{2FB79C59-F32A-44C5-BD88-D6F83C6AD380}" type="slidenum">
+              <a:rPr lang="en-US" smtClean="0"/>
+              <a:t>4</a:t>
+            </a:fld>
+            <a:endParaRPr lang="en-US"/>
+          </a:p>
+        </p:txBody>
+      </p:sp>
+    </p:spTree>
+    <p:extLst>
+      <p:ext uri="{BB962C8B-B14F-4D97-AF65-F5344CB8AC3E}">
+        <p14:creationId xmlns:p14="http://schemas.microsoft.com/office/powerpoint/2010/main" val="1199662761"/>
+      </p:ext>
+    </p:extLst>
+  </p:cSld>
+  <p:clrMapOvr>
+    <a:masterClrMapping/>
+  </p:clrMapOvr>
+</p:sld>
+</file>
+
+<file path=ppt/slides/slide5.xml><?xml version="1.0" encoding="utf-8"?>
+<p:sld xmlns:a="http://schemas.openxmlformats.org/drawingml/2006/main" xmlns:r="http://schemas.openxmlformats.org/officeDocument/2006/relationships" xmlns:p="http://schemas.openxmlformats.org/presentationml/2006/main">
+  <p:cSld>
+    <p:spTree>
+      <p:nvGrpSpPr>
+        <p:cNvPr id="1" name=""/>
+        <p:cNvGrpSpPr/>
+        <p:nvPr/>
+      </p:nvGrpSpPr>
+      <p:grpSpPr>
+        <a:xfrm>
+          <a:off x="0" y="0"/>
+          <a:ext cx="0" cy="0"/>
+          <a:chOff x="0" y="0"/>
+          <a:chExt cx="0" cy="0"/>
+        </a:xfrm>
+      </p:grpSpPr>
+      <p:sp>
+        <p:nvSpPr>
+          <p:cNvPr id="2" name="Title 1">
+            <a:extLst>
+              <a:ext uri="{FF2B5EF4-FFF2-40B4-BE49-F238E27FC236}">
+                <a16:creationId xmlns:a16="http://schemas.microsoft.com/office/drawing/2014/main" id="{6F55BF13-AE26-775D-F863-174D5C9FABDC}"/>
+              </a:ext>
+            </a:extLst>
+          </p:cNvPr>
+          <p:cNvSpPr>
+            <a:spLocks noGrp="1"/>
+          </p:cNvSpPr>
+          <p:nvPr>
+            <p:ph type="title"/>
+          </p:nvPr>
+        </p:nvSpPr>
+        <p:spPr/>
+        <p:txBody>
+          <a:bodyPr/>
+          <a:lstStyle/>
+          <a:p>
+            <a:r>
+              <a:rPr lang="en-US" dirty="0"/>
+              <a:t>Relational Model</a:t>
+            </a:r>
+          </a:p>
+        </p:txBody>
+      </p:sp>
+      <p:sp>
+        <p:nvSpPr>
+          <p:cNvPr id="4" name="Date Placeholder 3">
+            <a:extLst>
+              <a:ext uri="{FF2B5EF4-FFF2-40B4-BE49-F238E27FC236}">
+                <a16:creationId xmlns:a16="http://schemas.microsoft.com/office/drawing/2014/main" id="{5899B714-CB4B-7A95-614F-98F2A578A0EF}"/>
+              </a:ext>
+            </a:extLst>
+          </p:cNvPr>
+          <p:cNvSpPr>
+            <a:spLocks noGrp="1"/>
+          </p:cNvSpPr>
+          <p:nvPr>
+            <p:ph type="dt" sz="half" idx="10"/>
+          </p:nvPr>
+        </p:nvSpPr>
+        <p:spPr/>
+        <p:txBody>
+          <a:bodyPr/>
+          <a:lstStyle/>
+          <a:p>
+            <a:r>
+              <a:rPr lang="vi-VN"/>
+              <a:t>19/12/2023</a:t>
+            </a:r>
+            <a:endParaRPr lang="en-US" dirty="0"/>
+          </a:p>
+        </p:txBody>
+      </p:sp>
+      <p:sp>
+        <p:nvSpPr>
+          <p:cNvPr id="5" name="Footer Placeholder 4">
+            <a:extLst>
+              <a:ext uri="{FF2B5EF4-FFF2-40B4-BE49-F238E27FC236}">
+                <a16:creationId xmlns:a16="http://schemas.microsoft.com/office/drawing/2014/main" id="{C42A1A2B-A405-0ACF-B453-1308E3C0193F}"/>
+              </a:ext>
+            </a:extLst>
+          </p:cNvPr>
+          <p:cNvSpPr>
+            <a:spLocks noGrp="1"/>
+          </p:cNvSpPr>
+          <p:nvPr>
+            <p:ph type="ftr" sz="quarter" idx="11"/>
+          </p:nvPr>
+        </p:nvSpPr>
+        <p:spPr/>
+        <p:txBody>
+          <a:bodyPr/>
+          <a:lstStyle/>
+          <a:p>
+            <a:r>
+              <a:rPr lang="en-US"/>
+              <a:t>GSI</a:t>
+            </a:r>
+            <a:endParaRPr lang="en-US" dirty="0"/>
+          </a:p>
+        </p:txBody>
+      </p:sp>
+      <p:sp>
+        <p:nvSpPr>
+          <p:cNvPr id="6" name="Slide Number Placeholder 5">
+            <a:extLst>
+              <a:ext uri="{FF2B5EF4-FFF2-40B4-BE49-F238E27FC236}">
+                <a16:creationId xmlns:a16="http://schemas.microsoft.com/office/drawing/2014/main" id="{76E8811B-825D-017E-E09F-811ED4D9FA81}"/>
+              </a:ext>
+            </a:extLst>
+          </p:cNvPr>
+          <p:cNvSpPr>
+            <a:spLocks noGrp="1"/>
+          </p:cNvSpPr>
+          <p:nvPr>
+            <p:ph type="sldNum" sz="quarter" idx="12"/>
+          </p:nvPr>
+        </p:nvSpPr>
+        <p:spPr/>
+        <p:txBody>
+          <a:bodyPr/>
+          <a:lstStyle/>
+          <a:p>
+            <a:fld id="{2FB79C59-F32A-44C5-BD88-D6F83C6AD380}" type="slidenum">
+              <a:rPr lang="en-US" smtClean="0"/>
+              <a:t>5</a:t>
+            </a:fld>
+            <a:endParaRPr lang="en-US"/>
+          </a:p>
+        </p:txBody>
+      </p:sp>
+      <p:pic>
+        <p:nvPicPr>
+          <p:cNvPr id="7" name="Picture 2" descr="Relational Model in DBMS | Board Infinity">
+            <a:extLst>
+              <a:ext uri="{FF2B5EF4-FFF2-40B4-BE49-F238E27FC236}">
+                <a16:creationId xmlns:a16="http://schemas.microsoft.com/office/drawing/2014/main" id="{E5B34DC8-C2EE-4ABA-371F-2727CB314C04}"/>
+              </a:ext>
+            </a:extLst>
+          </p:cNvPr>
+          <p:cNvPicPr>
+            <a:picLocks noGrp="1" noRot="1" noChangeAspect="1" noMove="1" noResize="1" noEditPoints="1" noAdjustHandles="1" noChangeArrowheads="1" noChangeShapeType="1" noCrop="1"/>
+          </p:cNvPicPr>
+          <p:nvPr>
+            <p:ph idx="1"/>
+          </p:nvPr>
+        </p:nvPicPr>
+        <p:blipFill rotWithShape="1">
+          <a:blip r:embed="rId2">
+            <a:extLst>
+              <a:ext uri="{28A0092B-C50C-407E-A947-70E740481C1C}">
+                <a14:useLocalDpi xmlns:a14="http://schemas.microsoft.com/office/drawing/2010/main" val="0"/>
+              </a:ext>
+            </a:extLst>
+          </a:blip>
+          <a:srcRect b="19"/>
+          <a:stretch/>
+        </p:blipFill>
+        <p:spPr bwMode="auto">
+          <a:xfrm>
+            <a:off x="2227409" y="1825625"/>
+            <a:ext cx="7737182" cy="4351338"/>
+          </a:xfrm>
+          <a:prstGeom prst="rect">
+            <a:avLst/>
+          </a:prstGeom>
+          <a:noFill/>
+          <a:extLst>
+            <a:ext uri="{909E8E84-426E-40DD-AFC4-6F175D3DCCD1}">
+              <a14:hiddenFill xmlns:a14="http://schemas.microsoft.com/office/drawing/2010/main">
+                <a:solidFill>
+                  <a:srgbClr val="FFFFFF"/>
+                </a:solidFill>
+              </a14:hiddenFill>
+            </a:ext>
+          </a:extLst>
+        </p:spPr>
+      </p:pic>
+      <p:sp>
+        <p:nvSpPr>
+          <p:cNvPr id="8" name="Rectangle 7">
+            <a:extLst>
+              <a:ext uri="{FF2B5EF4-FFF2-40B4-BE49-F238E27FC236}">
+                <a16:creationId xmlns:a16="http://schemas.microsoft.com/office/drawing/2014/main" id="{F8BABA88-FE56-A99C-485A-A700060AECCC}"/>
+              </a:ext>
+            </a:extLst>
+          </p:cNvPr>
+          <p:cNvSpPr>
+            <a:spLocks noGrp="1" noRot="1" noMove="1" noResize="1" noEditPoints="1" noAdjustHandles="1" noChangeArrowheads="1" noChangeShapeType="1"/>
+          </p:cNvSpPr>
+          <p:nvPr/>
+        </p:nvSpPr>
+        <p:spPr>
+          <a:xfrm>
+            <a:off x="8945592" y="5771072"/>
+            <a:ext cx="1018999" cy="345056"/>
+          </a:xfrm>
+          <a:prstGeom prst="rect">
+            <a:avLst/>
+          </a:prstGeom>
+          <a:solidFill>
+            <a:schemeClr val="bg1"/>
+          </a:solidFill>
+          <a:ln>
+            <a:solidFill>
+              <a:schemeClr val="bg1"/>
+            </a:solidFill>
+          </a:ln>
+        </p:spPr>
+        <p:style>
+          <a:lnRef idx="2">
+            <a:schemeClr val="accent1">
+              <a:shade val="15000"/>
+            </a:schemeClr>
+          </a:lnRef>
+          <a:fillRef idx="1">
+            <a:schemeClr val="accent1"/>
+          </a:fillRef>
+          <a:effectRef idx="0">
+            <a:schemeClr val="accent1"/>
+          </a:effectRef>
+          <a:fontRef idx="minor">
+            <a:schemeClr val="lt1"/>
+          </a:fontRef>
+        </p:style>
+        <p:txBody>
+          <a:bodyPr rtlCol="0" anchor="ctr"/>
+          <a:lstStyle/>
+          <a:p>
+            <a:pPr algn="ctr"/>
+            <a:endParaRPr lang="en-US"/>
+          </a:p>
+        </p:txBody>
+      </p:sp>
+    </p:spTree>
+    <p:extLst>
+      <p:ext uri="{BB962C8B-B14F-4D97-AF65-F5344CB8AC3E}">
+        <p14:creationId xmlns:p14="http://schemas.microsoft.com/office/powerpoint/2010/main" val="3568538117"/>
+      </p:ext>
+    </p:extLst>
+  </p:cSld>
+  <p:clrMapOvr>
+    <a:masterClrMapping/>
+  </p:clrMapOvr>
+</p:sld>
+</file>
+
+<file path=ppt/slides/slide6.xml><?xml version="1.0" encoding="utf-8"?>
+<p:sld xmlns:a="http://schemas.openxmlformats.org/drawingml/2006/main" xmlns:r="http://schemas.openxmlformats.org/officeDocument/2006/relationships" xmlns:p="http://schemas.openxmlformats.org/presentationml/2006/main">
+  <p:cSld>
+    <p:spTree>
+      <p:nvGrpSpPr>
+        <p:cNvPr id="1" name=""/>
+        <p:cNvGrpSpPr/>
+        <p:nvPr/>
+      </p:nvGrpSpPr>
+      <p:grpSpPr>
+        <a:xfrm>
+          <a:off x="0" y="0"/>
+          <a:ext cx="0" cy="0"/>
+          <a:chOff x="0" y="0"/>
+          <a:chExt cx="0" cy="0"/>
+        </a:xfrm>
+      </p:grpSpPr>
+      <p:sp>
+        <p:nvSpPr>
+          <p:cNvPr id="2" name="Title 1">
+            <a:extLst>
+              <a:ext uri="{FF2B5EF4-FFF2-40B4-BE49-F238E27FC236}">
+                <a16:creationId xmlns:a16="http://schemas.microsoft.com/office/drawing/2014/main" id="{66E71AF1-BECC-5D96-37BE-100CDF65C260}"/>
+              </a:ext>
+            </a:extLst>
+          </p:cNvPr>
+          <p:cNvSpPr>
+            <a:spLocks noGrp="1"/>
+          </p:cNvSpPr>
+          <p:nvPr>
+            <p:ph type="title"/>
+          </p:nvPr>
+        </p:nvSpPr>
+        <p:spPr/>
+        <p:txBody>
+          <a:bodyPr/>
+          <a:lstStyle/>
+          <a:p>
+            <a:r>
+              <a:rPr lang="en-US" dirty="0"/>
+              <a:t>Relational Model</a:t>
+            </a:r>
+          </a:p>
+        </p:txBody>
+      </p:sp>
+      <p:sp>
+        <p:nvSpPr>
+          <p:cNvPr id="4" name="Date Placeholder 3">
+            <a:extLst>
+              <a:ext uri="{FF2B5EF4-FFF2-40B4-BE49-F238E27FC236}">
+                <a16:creationId xmlns:a16="http://schemas.microsoft.com/office/drawing/2014/main" id="{B4A18CE5-E320-2A8B-F0E3-0369540652EF}"/>
+              </a:ext>
+            </a:extLst>
+          </p:cNvPr>
+          <p:cNvSpPr>
+            <a:spLocks noGrp="1"/>
+          </p:cNvSpPr>
+          <p:nvPr>
+            <p:ph type="dt" sz="half" idx="10"/>
+          </p:nvPr>
+        </p:nvSpPr>
+        <p:spPr/>
+        <p:txBody>
+          <a:bodyPr/>
+          <a:lstStyle/>
+          <a:p>
+            <a:r>
+              <a:rPr lang="vi-VN"/>
+              <a:t>19/12/2023</a:t>
+            </a:r>
+            <a:endParaRPr lang="en-US" dirty="0"/>
+          </a:p>
+        </p:txBody>
+      </p:sp>
+      <p:sp>
+        <p:nvSpPr>
+          <p:cNvPr id="5" name="Footer Placeholder 4">
+            <a:extLst>
+              <a:ext uri="{FF2B5EF4-FFF2-40B4-BE49-F238E27FC236}">
+                <a16:creationId xmlns:a16="http://schemas.microsoft.com/office/drawing/2014/main" id="{BE8A010C-4DAB-30D0-D627-E8FA181FAE01}"/>
+              </a:ext>
+            </a:extLst>
+          </p:cNvPr>
+          <p:cNvSpPr>
+            <a:spLocks noGrp="1"/>
+          </p:cNvSpPr>
+          <p:nvPr>
+            <p:ph type="ftr" sz="quarter" idx="11"/>
+          </p:nvPr>
+        </p:nvSpPr>
+        <p:spPr/>
+        <p:txBody>
+          <a:bodyPr/>
+          <a:lstStyle/>
+          <a:p>
+            <a:r>
+              <a:rPr lang="en-US"/>
+              <a:t>GSI</a:t>
+            </a:r>
+            <a:endParaRPr lang="en-US" dirty="0"/>
+          </a:p>
+        </p:txBody>
+      </p:sp>
+      <p:sp>
+        <p:nvSpPr>
+          <p:cNvPr id="6" name="Slide Number Placeholder 5">
+            <a:extLst>
+              <a:ext uri="{FF2B5EF4-FFF2-40B4-BE49-F238E27FC236}">
+                <a16:creationId xmlns:a16="http://schemas.microsoft.com/office/drawing/2014/main" id="{DFEDED37-BB30-8F8C-BE60-3E8A67DF065F}"/>
+              </a:ext>
+            </a:extLst>
+          </p:cNvPr>
+          <p:cNvSpPr>
+            <a:spLocks noGrp="1"/>
+          </p:cNvSpPr>
+          <p:nvPr>
+            <p:ph type="sldNum" sz="quarter" idx="12"/>
+          </p:nvPr>
+        </p:nvSpPr>
+        <p:spPr/>
+        <p:txBody>
+          <a:bodyPr/>
+          <a:lstStyle/>
+          <a:p>
+            <a:fld id="{2FB79C59-F32A-44C5-BD88-D6F83C6AD380}" type="slidenum">
+              <a:rPr lang="en-US" smtClean="0"/>
+              <a:t>6</a:t>
+            </a:fld>
+            <a:endParaRPr lang="en-US"/>
+          </a:p>
+        </p:txBody>
+      </p:sp>
+      <p:pic>
+        <p:nvPicPr>
+          <p:cNvPr id="2050" name="Picture 2" descr="3 Relational Data Model Examples. The foundation of any app is a solid… |  by Claire Logan | Medium">
+            <a:extLst>
+              <a:ext uri="{FF2B5EF4-FFF2-40B4-BE49-F238E27FC236}">
+                <a16:creationId xmlns:a16="http://schemas.microsoft.com/office/drawing/2014/main" id="{9287F500-B726-CD69-2AE8-73D2BAD32C88}"/>
+              </a:ext>
+            </a:extLst>
+          </p:cNvPr>
+          <p:cNvPicPr>
+            <a:picLocks noGrp="1" noChangeAspect="1" noChangeArrowheads="1"/>
+          </p:cNvPicPr>
+          <p:nvPr>
+            <p:ph idx="1"/>
+          </p:nvPr>
+        </p:nvPicPr>
+        <p:blipFill>
+          <a:blip r:embed="rId2">
+            <a:extLst>
+              <a:ext uri="{28A0092B-C50C-407E-A947-70E740481C1C}">
+                <a14:useLocalDpi xmlns:a14="http://schemas.microsoft.com/office/drawing/2010/main" val="0"/>
+              </a:ext>
+            </a:extLst>
+          </a:blip>
+          <a:srcRect/>
+          <a:stretch>
+            <a:fillRect/>
+          </a:stretch>
+        </p:blipFill>
+        <p:spPr bwMode="auto">
+          <a:xfrm>
+            <a:off x="838200" y="1898174"/>
+            <a:ext cx="10515600" cy="4206240"/>
+          </a:xfrm>
+          <a:prstGeom prst="rect">
+            <a:avLst/>
+          </a:prstGeom>
+          <a:noFill/>
+          <a:extLst>
+            <a:ext uri="{909E8E84-426E-40DD-AFC4-6F175D3DCCD1}">
+              <a14:hiddenFill xmlns:a14="http://schemas.microsoft.com/office/drawing/2010/main">
+                <a:solidFill>
+                  <a:srgbClr val="FFFFFF"/>
+                </a:solidFill>
+              </a14:hiddenFill>
+            </a:ext>
+          </a:extLst>
+        </p:spPr>
+      </p:pic>
+    </p:spTree>
+    <p:extLst>
+      <p:ext uri="{BB962C8B-B14F-4D97-AF65-F5344CB8AC3E}">
+        <p14:creationId xmlns:p14="http://schemas.microsoft.com/office/powerpoint/2010/main" val="470692561"/>
+      </p:ext>
+    </p:extLst>
+  </p:cSld>
+  <p:clrMapOvr>
+    <a:masterClrMapping/>
+  </p:clrMapOvr>
+</p:sld>
+</file>
+
+<file path=ppt/slides/slide7.xml><?xml version="1.0" encoding="utf-8"?>
+<p:sld xmlns:a="http://schemas.openxmlformats.org/drawingml/2006/main" xmlns:r="http://schemas.openxmlformats.org/officeDocument/2006/relationships" xmlns:p="http://schemas.openxmlformats.org/presentationml/2006/main">
+  <p:cSld>
+    <p:spTree>
+      <p:nvGrpSpPr>
+        <p:cNvPr id="1" name=""/>
+        <p:cNvGrpSpPr/>
+        <p:nvPr/>
+      </p:nvGrpSpPr>
+      <p:grpSpPr>
+        <a:xfrm>
+          <a:off x="0" y="0"/>
+          <a:ext cx="0" cy="0"/>
+          <a:chOff x="0" y="0"/>
+          <a:chExt cx="0" cy="0"/>
+        </a:xfrm>
+      </p:grpSpPr>
+      <p:sp>
+        <p:nvSpPr>
+          <p:cNvPr id="2" name="Title 1">
+            <a:extLst>
+              <a:ext uri="{FF2B5EF4-FFF2-40B4-BE49-F238E27FC236}">
+                <a16:creationId xmlns:a16="http://schemas.microsoft.com/office/drawing/2014/main" id="{1898DE8C-B1C1-204F-C4D1-FD92C7869B9B}"/>
+              </a:ext>
+            </a:extLst>
+          </p:cNvPr>
+          <p:cNvSpPr>
+            <a:spLocks noGrp="1"/>
+          </p:cNvSpPr>
+          <p:nvPr>
+            <p:ph type="title"/>
+          </p:nvPr>
+        </p:nvSpPr>
+        <p:spPr>
+          <a:xfrm>
+            <a:off x="599536" y="244355"/>
+            <a:ext cx="10515600" cy="1325563"/>
+          </a:xfrm>
+        </p:spPr>
+        <p:txBody>
+          <a:bodyPr/>
+          <a:lstStyle/>
+          <a:p>
+            <a:r>
+              <a:rPr lang="en-US" dirty="0"/>
+              <a:t>What are the benefits of RDBMS?</a:t>
+            </a:r>
+          </a:p>
+        </p:txBody>
+      </p:sp>
+      <p:sp>
+        <p:nvSpPr>
+          <p:cNvPr id="3" name="Content Placeholder 2">
+            <a:extLst>
+              <a:ext uri="{FF2B5EF4-FFF2-40B4-BE49-F238E27FC236}">
+                <a16:creationId xmlns:a16="http://schemas.microsoft.com/office/drawing/2014/main" id="{11260956-9089-CE99-F68A-3BBA3626EBAE}"/>
+              </a:ext>
+            </a:extLst>
+          </p:cNvPr>
+          <p:cNvSpPr>
+            <a:spLocks noGrp="1"/>
+          </p:cNvSpPr>
+          <p:nvPr>
+            <p:ph idx="1"/>
+          </p:nvPr>
+        </p:nvSpPr>
+        <p:spPr>
+          <a:xfrm>
+            <a:off x="838200" y="1825625"/>
+            <a:ext cx="5019136" cy="4351338"/>
+          </a:xfrm>
+        </p:spPr>
+        <p:txBody>
+          <a:bodyPr>
+            <a:normAutofit/>
+          </a:bodyPr>
+          <a:lstStyle/>
+          <a:p>
+            <a:r>
+              <a:rPr lang="en-US" dirty="0"/>
+              <a:t>Data integrity</a:t>
+            </a:r>
+          </a:p>
+          <a:p>
+            <a:r>
+              <a:rPr lang="en-US" dirty="0"/>
+              <a:t>Organization &amp; structure</a:t>
+            </a:r>
+          </a:p>
+          <a:p>
+            <a:r>
+              <a:rPr lang="en-US" dirty="0"/>
+              <a:t>Query flexibility</a:t>
+            </a:r>
+          </a:p>
+          <a:p>
+            <a:r>
+              <a:rPr lang="en-US" dirty="0"/>
+              <a:t>Ease of use</a:t>
+            </a:r>
+          </a:p>
+          <a:p>
+            <a:r>
+              <a:rPr lang="en-US" dirty="0"/>
+              <a:t>Data security</a:t>
+            </a:r>
+          </a:p>
+          <a:p>
+            <a:r>
+              <a:rPr lang="en-US" dirty="0"/>
+              <a:t>Consistency &amp; standardization</a:t>
+            </a:r>
+          </a:p>
+        </p:txBody>
+      </p:sp>
+      <p:sp>
+        <p:nvSpPr>
+          <p:cNvPr id="4" name="Date Placeholder 3">
+            <a:extLst>
+              <a:ext uri="{FF2B5EF4-FFF2-40B4-BE49-F238E27FC236}">
+                <a16:creationId xmlns:a16="http://schemas.microsoft.com/office/drawing/2014/main" id="{DD91B40F-369B-9D73-24D5-0D8942D16182}"/>
+              </a:ext>
+            </a:extLst>
+          </p:cNvPr>
+          <p:cNvSpPr>
+            <a:spLocks noGrp="1"/>
+          </p:cNvSpPr>
+          <p:nvPr>
+            <p:ph type="dt" sz="half" idx="10"/>
+          </p:nvPr>
+        </p:nvSpPr>
+        <p:spPr/>
+        <p:txBody>
+          <a:bodyPr/>
+          <a:lstStyle/>
+          <a:p>
+            <a:r>
+              <a:rPr lang="vi-VN"/>
+              <a:t>19/12/2023</a:t>
+            </a:r>
+            <a:endParaRPr lang="en-US" dirty="0"/>
+          </a:p>
+        </p:txBody>
+      </p:sp>
+      <p:sp>
+        <p:nvSpPr>
+          <p:cNvPr id="5" name="Footer Placeholder 4">
+            <a:extLst>
+              <a:ext uri="{FF2B5EF4-FFF2-40B4-BE49-F238E27FC236}">
+                <a16:creationId xmlns:a16="http://schemas.microsoft.com/office/drawing/2014/main" id="{49BF8E56-8696-4DE1-EFA1-E4C662460191}"/>
+              </a:ext>
+            </a:extLst>
+          </p:cNvPr>
+          <p:cNvSpPr>
+            <a:spLocks noGrp="1"/>
+          </p:cNvSpPr>
+          <p:nvPr>
+            <p:ph type="ftr" sz="quarter" idx="11"/>
+          </p:nvPr>
+        </p:nvSpPr>
+        <p:spPr/>
+        <p:txBody>
+          <a:bodyPr/>
+          <a:lstStyle/>
+          <a:p>
+            <a:r>
+              <a:rPr lang="en-US"/>
+              <a:t>GSI</a:t>
+            </a:r>
+            <a:endParaRPr lang="en-US" dirty="0"/>
+          </a:p>
+        </p:txBody>
+      </p:sp>
+      <p:sp>
+        <p:nvSpPr>
+          <p:cNvPr id="6" name="Slide Number Placeholder 5">
+            <a:extLst>
+              <a:ext uri="{FF2B5EF4-FFF2-40B4-BE49-F238E27FC236}">
+                <a16:creationId xmlns:a16="http://schemas.microsoft.com/office/drawing/2014/main" id="{24FDA4E7-C3C1-BE5D-D882-8818B4D4749A}"/>
+              </a:ext>
+            </a:extLst>
+          </p:cNvPr>
+          <p:cNvSpPr>
+            <a:spLocks noGrp="1"/>
+          </p:cNvSpPr>
+          <p:nvPr>
+            <p:ph type="sldNum" sz="quarter" idx="12"/>
+          </p:nvPr>
+        </p:nvSpPr>
+        <p:spPr/>
+        <p:txBody>
+          <a:bodyPr/>
+          <a:lstStyle/>
+          <a:p>
+            <a:fld id="{2FB79C59-F32A-44C5-BD88-D6F83C6AD380}" type="slidenum">
+              <a:rPr lang="en-US" smtClean="0"/>
+              <a:t>7</a:t>
+            </a:fld>
+            <a:endParaRPr lang="en-US"/>
+          </a:p>
+        </p:txBody>
+      </p:sp>
+      <p:sp>
+        <p:nvSpPr>
+          <p:cNvPr id="7" name="Content Placeholder 2">
+            <a:extLst>
+              <a:ext uri="{FF2B5EF4-FFF2-40B4-BE49-F238E27FC236}">
+                <a16:creationId xmlns:a16="http://schemas.microsoft.com/office/drawing/2014/main" id="{DC0C7717-D29E-D7A6-CE01-55EFB5522312}"/>
+              </a:ext>
+            </a:extLst>
+          </p:cNvPr>
+          <p:cNvSpPr txBox="1">
+            <a:spLocks/>
+          </p:cNvSpPr>
+          <p:nvPr/>
+        </p:nvSpPr>
+        <p:spPr>
+          <a:xfrm>
+            <a:off x="6101032" y="1825625"/>
+            <a:ext cx="5019136" cy="4351338"/>
+          </a:xfrm>
+          <a:prstGeom prst="rect">
+            <a:avLst/>
+          </a:prstGeom>
+        </p:spPr>
+        <p:txBody>
+          <a:bodyPr vert="horz" lIns="91440" tIns="45720" rIns="91440" bIns="45720" rtlCol="0">
+            <a:normAutofit/>
+          </a:bodyPr>
+          <a:lstStyle>
+            <a:lvl1pPr marL="228600" indent="-228600" defTabSz="914400">
+              <a:lnSpc>
+                <a:spcPct val="90000"/>
+              </a:lnSpc>
+              <a:spcBef>
+                <a:spcPts val="1000"/>
+              </a:spcBef>
+              <a:buFont typeface="Arial" panose="020B0604020202020204" pitchFamily="34" charset="0"/>
+              <a:buChar char="•"/>
+              <a:defRPr sz="2800"/>
+            </a:lvl1pPr>
+            <a:lvl2pPr marL="685800" indent="-228600" defTabSz="914400">
+              <a:lnSpc>
+                <a:spcPct val="90000"/>
+              </a:lnSpc>
+              <a:spcBef>
+                <a:spcPts val="500"/>
+              </a:spcBef>
+              <a:buFont typeface="Arial" panose="020B0604020202020204" pitchFamily="34" charset="0"/>
+              <a:buChar char="•"/>
+              <a:defRPr sz="2400"/>
+            </a:lvl2pPr>
+            <a:lvl3pPr marL="1143000" indent="-228600" defTabSz="914400">
+              <a:lnSpc>
+                <a:spcPct val="90000"/>
+              </a:lnSpc>
+              <a:spcBef>
+                <a:spcPts val="500"/>
+              </a:spcBef>
+              <a:buFont typeface="Arial" panose="020B0604020202020204" pitchFamily="34" charset="0"/>
+              <a:buChar char="•"/>
+              <a:defRPr sz="2000"/>
+            </a:lvl3pPr>
+            <a:lvl4pPr marL="1600200" indent="-228600" defTabSz="914400">
+              <a:lnSpc>
+                <a:spcPct val="90000"/>
+              </a:lnSpc>
+              <a:spcBef>
+                <a:spcPts val="500"/>
+              </a:spcBef>
+              <a:buFont typeface="Arial" panose="020B0604020202020204" pitchFamily="34" charset="0"/>
+              <a:buChar char="•"/>
+            </a:lvl4pPr>
+            <a:lvl5pPr marL="2057400" indent="-228600" defTabSz="914400">
+              <a:lnSpc>
+                <a:spcPct val="90000"/>
+              </a:lnSpc>
+              <a:spcBef>
+                <a:spcPts val="500"/>
+              </a:spcBef>
+              <a:buFont typeface="Arial" panose="020B0604020202020204" pitchFamily="34" charset="0"/>
+              <a:buChar char="•"/>
+            </a:lvl5pPr>
+            <a:lvl6pPr marL="2514600" indent="-228600" defTabSz="914400">
+              <a:lnSpc>
+                <a:spcPct val="90000"/>
+              </a:lnSpc>
+              <a:spcBef>
+                <a:spcPts val="500"/>
+              </a:spcBef>
+              <a:buFont typeface="Arial" panose="020B0604020202020204" pitchFamily="34" charset="0"/>
+              <a:buChar char="•"/>
+            </a:lvl6pPr>
+            <a:lvl7pPr marL="2971800" indent="-228600" defTabSz="914400">
+              <a:lnSpc>
+                <a:spcPct val="90000"/>
+              </a:lnSpc>
+              <a:spcBef>
+                <a:spcPts val="500"/>
+              </a:spcBef>
+              <a:buFont typeface="Arial" panose="020B0604020202020204" pitchFamily="34" charset="0"/>
+              <a:buChar char="•"/>
+            </a:lvl7pPr>
+            <a:lvl8pPr marL="3429000" indent="-228600" defTabSz="914400">
+              <a:lnSpc>
+                <a:spcPct val="90000"/>
+              </a:lnSpc>
+              <a:spcBef>
+                <a:spcPts val="500"/>
+              </a:spcBef>
+              <a:buFont typeface="Arial" panose="020B0604020202020204" pitchFamily="34" charset="0"/>
+              <a:buChar char="•"/>
+            </a:lvl8pPr>
+            <a:lvl9pPr marL="3886200" indent="-228600" defTabSz="914400">
+              <a:lnSpc>
+                <a:spcPct val="90000"/>
+              </a:lnSpc>
+              <a:spcBef>
+                <a:spcPts val="500"/>
+              </a:spcBef>
+              <a:buFont typeface="Arial" panose="020B0604020202020204" pitchFamily="34" charset="0"/>
+              <a:buChar char="•"/>
+            </a:lvl9pPr>
+          </a:lstStyle>
+          <a:p>
+            <a:r>
+              <a:rPr lang="en-US" dirty="0"/>
+              <a:t>Concurrency control</a:t>
+            </a:r>
+          </a:p>
+          <a:p>
+            <a:r>
+              <a:rPr lang="en-US" dirty="0"/>
+              <a:t>Scalability</a:t>
+            </a:r>
+          </a:p>
+          <a:p>
+            <a:r>
+              <a:rPr lang="en-US" dirty="0"/>
+              <a:t>ACID transactions</a:t>
+            </a:r>
+          </a:p>
+          <a:p>
+            <a:r>
+              <a:rPr lang="en-US" dirty="0"/>
+              <a:t>Data independence</a:t>
+            </a:r>
+          </a:p>
+          <a:p>
+            <a:r>
+              <a:rPr lang="en-US" dirty="0"/>
+              <a:t>Backup &amp; recovery</a:t>
+            </a:r>
+          </a:p>
+          <a:p>
+            <a:r>
+              <a:rPr lang="en-US" dirty="0"/>
+              <a:t>Normalization &amp; Efficiency</a:t>
+            </a:r>
+          </a:p>
+        </p:txBody>
+      </p:sp>
+    </p:spTree>
+    <p:extLst>
+      <p:ext uri="{BB962C8B-B14F-4D97-AF65-F5344CB8AC3E}">
+        <p14:creationId xmlns:p14="http://schemas.microsoft.com/office/powerpoint/2010/main" val="3772452681"/>
+      </p:ext>
+    </p:extLst>
+  </p:cSld>
+  <p:clrMapOvr>
+    <a:masterClrMapping/>
+  </p:clrMapOvr>
+</p:sld>
+</file>
+
+<file path=ppt/slides/slide8.xml><?xml version="1.0" encoding="utf-8"?>
+<p:sld xmlns:a="http://schemas.openxmlformats.org/drawingml/2006/main" xmlns:r="http://schemas.openxmlformats.org/officeDocument/2006/relationships" xmlns:p="http://schemas.openxmlformats.org/presentationml/2006/main">
+  <p:cSld>
+    <p:spTree>
+      <p:nvGrpSpPr>
+        <p:cNvPr id="1" name=""/>
+        <p:cNvGrpSpPr/>
+        <p:nvPr/>
+      </p:nvGrpSpPr>
+      <p:grpSpPr>
+        <a:xfrm>
+          <a:off x="0" y="0"/>
+          <a:ext cx="0" cy="0"/>
+          <a:chOff x="0" y="0"/>
+          <a:chExt cx="0" cy="0"/>
+        </a:xfrm>
+      </p:grpSpPr>
+      <p:sp>
+        <p:nvSpPr>
+          <p:cNvPr id="2" name="Title 1">
+            <a:extLst>
+              <a:ext uri="{FF2B5EF4-FFF2-40B4-BE49-F238E27FC236}">
+                <a16:creationId xmlns:a16="http://schemas.microsoft.com/office/drawing/2014/main" id="{798F79B3-2EC0-608A-C50A-119D43BF4F7F}"/>
+              </a:ext>
+            </a:extLst>
+          </p:cNvPr>
+          <p:cNvSpPr>
+            <a:spLocks noGrp="1"/>
+          </p:cNvSpPr>
+          <p:nvPr>
+            <p:ph type="title"/>
+          </p:nvPr>
+        </p:nvSpPr>
+        <p:spPr/>
+        <p:txBody>
+          <a:bodyPr>
+            <a:normAutofit/>
+          </a:bodyPr>
+          <a:lstStyle/>
+          <a:p>
+            <a:r>
+              <a:rPr lang="en-US" dirty="0"/>
+              <a:t>What are DB-Views and why we should use them?</a:t>
+            </a:r>
+          </a:p>
+        </p:txBody>
+      </p:sp>
+      <p:sp>
+        <p:nvSpPr>
+          <p:cNvPr id="3" name="Content Placeholder 2">
+            <a:extLst>
+              <a:ext uri="{FF2B5EF4-FFF2-40B4-BE49-F238E27FC236}">
+                <a16:creationId xmlns:a16="http://schemas.microsoft.com/office/drawing/2014/main" id="{96EBC02E-CBAD-5A44-1F3A-CD5B87AA31F8}"/>
+              </a:ext>
+            </a:extLst>
+          </p:cNvPr>
+          <p:cNvSpPr>
+            <a:spLocks noGrp="1"/>
+          </p:cNvSpPr>
+          <p:nvPr>
+            <p:ph idx="1"/>
+          </p:nvPr>
+        </p:nvSpPr>
+        <p:spPr/>
+        <p:txBody>
+          <a:bodyPr/>
+          <a:lstStyle/>
+          <a:p>
+            <a:r>
+              <a:rPr lang="en-US" dirty="0"/>
+              <a:t>View is a virtual table in database.</a:t>
+            </a:r>
+          </a:p>
+          <a:p>
+            <a:r>
+              <a:rPr lang="en-US" dirty="0"/>
+              <a:t>View is only created by the query SELECT from the physic tables in database.</a:t>
+            </a:r>
+          </a:p>
+          <a:p>
+            <a:r>
+              <a:rPr lang="en-US" dirty="0"/>
+              <a:t>View doesn’t store any data. </a:t>
+            </a:r>
+          </a:p>
+          <a:p>
+            <a:pPr>
+              <a:buFont typeface="Arial" panose="020B0604020202020204" pitchFamily="34" charset="0"/>
+              <a:buChar char="•"/>
+            </a:pPr>
+            <a:r>
+              <a:rPr lang="en-US" dirty="0"/>
+              <a:t>View represents and synchronizes the data that is stored in many tables.</a:t>
+            </a:r>
+          </a:p>
+        </p:txBody>
+      </p:sp>
+      <p:sp>
+        <p:nvSpPr>
+          <p:cNvPr id="4" name="Date Placeholder 3">
+            <a:extLst>
+              <a:ext uri="{FF2B5EF4-FFF2-40B4-BE49-F238E27FC236}">
+                <a16:creationId xmlns:a16="http://schemas.microsoft.com/office/drawing/2014/main" id="{EE20522F-D1DB-00E0-4AEA-46DBF22D524A}"/>
+              </a:ext>
+            </a:extLst>
+          </p:cNvPr>
+          <p:cNvSpPr>
+            <a:spLocks noGrp="1"/>
+          </p:cNvSpPr>
+          <p:nvPr>
+            <p:ph type="dt" sz="half" idx="10"/>
+          </p:nvPr>
+        </p:nvSpPr>
+        <p:spPr/>
+        <p:txBody>
+          <a:bodyPr/>
+          <a:lstStyle/>
+          <a:p>
+            <a:r>
+              <a:rPr lang="vi-VN"/>
+              <a:t>19/12/2023</a:t>
+            </a:r>
+            <a:endParaRPr lang="en-US" dirty="0"/>
+          </a:p>
+        </p:txBody>
+      </p:sp>
+      <p:sp>
+        <p:nvSpPr>
+          <p:cNvPr id="5" name="Footer Placeholder 4">
+            <a:extLst>
+              <a:ext uri="{FF2B5EF4-FFF2-40B4-BE49-F238E27FC236}">
+                <a16:creationId xmlns:a16="http://schemas.microsoft.com/office/drawing/2014/main" id="{734B41AD-4CA2-51BB-E51F-C50A4221FD46}"/>
+              </a:ext>
+            </a:extLst>
+          </p:cNvPr>
+          <p:cNvSpPr>
+            <a:spLocks noGrp="1"/>
+          </p:cNvSpPr>
+          <p:nvPr>
+            <p:ph type="ftr" sz="quarter" idx="11"/>
+          </p:nvPr>
+        </p:nvSpPr>
+        <p:spPr/>
+        <p:txBody>
+          <a:bodyPr/>
+          <a:lstStyle/>
+          <a:p>
+            <a:r>
+              <a:rPr lang="en-US"/>
+              <a:t>GSI</a:t>
+            </a:r>
+            <a:endParaRPr lang="en-US" dirty="0"/>
+          </a:p>
+        </p:txBody>
+      </p:sp>
+      <p:sp>
+        <p:nvSpPr>
+          <p:cNvPr id="6" name="Slide Number Placeholder 5">
+            <a:extLst>
+              <a:ext uri="{FF2B5EF4-FFF2-40B4-BE49-F238E27FC236}">
+                <a16:creationId xmlns:a16="http://schemas.microsoft.com/office/drawing/2014/main" id="{B65C6261-9148-55DC-F857-53AAA07E2109}"/>
+              </a:ext>
+            </a:extLst>
+          </p:cNvPr>
+          <p:cNvSpPr>
+            <a:spLocks noGrp="1"/>
+          </p:cNvSpPr>
+          <p:nvPr>
+            <p:ph type="sldNum" sz="quarter" idx="12"/>
+          </p:nvPr>
+        </p:nvSpPr>
+        <p:spPr/>
+        <p:txBody>
+          <a:bodyPr/>
+          <a:lstStyle/>
+          <a:p>
+            <a:fld id="{2FB79C59-F32A-44C5-BD88-D6F83C6AD380}" type="slidenum">
+              <a:rPr lang="en-US" smtClean="0"/>
+              <a:t>8</a:t>
+            </a:fld>
+            <a:endParaRPr lang="en-US"/>
+          </a:p>
+        </p:txBody>
+      </p:sp>
+      <p:pic>
+        <p:nvPicPr>
+          <p:cNvPr id="8" name="Picture 7">
+            <a:extLst>
+              <a:ext uri="{FF2B5EF4-FFF2-40B4-BE49-F238E27FC236}">
+                <a16:creationId xmlns:a16="http://schemas.microsoft.com/office/drawing/2014/main" id="{04DEC101-AF77-CA42-D56C-5F8919F96D81}"/>
+              </a:ext>
+            </a:extLst>
+          </p:cNvPr>
+          <p:cNvPicPr>
+            <a:picLocks noChangeAspect="1"/>
+          </p:cNvPicPr>
+          <p:nvPr/>
+        </p:nvPicPr>
+        <p:blipFill>
+          <a:blip r:embed="rId2"/>
+          <a:stretch>
+            <a:fillRect/>
+          </a:stretch>
+        </p:blipFill>
+        <p:spPr>
+          <a:xfrm>
+            <a:off x="2698289" y="4643570"/>
+            <a:ext cx="7170235" cy="1533393"/>
+          </a:xfrm>
+          <a:prstGeom prst="rect">
+            <a:avLst/>
+          </a:prstGeom>
+        </p:spPr>
+      </p:pic>
+    </p:spTree>
+    <p:extLst>
+      <p:ext uri="{BB962C8B-B14F-4D97-AF65-F5344CB8AC3E}">
+        <p14:creationId xmlns:p14="http://schemas.microsoft.com/office/powerpoint/2010/main" val="3589156785"/>
+      </p:ext>
+    </p:extLst>
+  </p:cSld>
+  <p:clrMapOvr>
+    <a:masterClrMapping/>
+  </p:clrMapOvr>
+</p:sld>
+</file>
+
+<file path=ppt/slides/slide9.xml><?xml version="1.0" encoding="utf-8"?>
+<p:sld xmlns:a="http://schemas.openxmlformats.org/drawingml/2006/main" xmlns:r="http://schemas.openxmlformats.org/officeDocument/2006/relationships" xmlns:p="http://schemas.openxmlformats.org/presentationml/2006/main">
+  <p:cSld>
+    <p:spTree>
+      <p:nvGrpSpPr>
+        <p:cNvPr id="1" name=""/>
+        <p:cNvGrpSpPr/>
+        <p:nvPr/>
+      </p:nvGrpSpPr>
+      <p:grpSpPr>
+        <a:xfrm>
+          <a:off x="0" y="0"/>
+          <a:ext cx="0" cy="0"/>
+          <a:chOff x="0" y="0"/>
+          <a:chExt cx="0" cy="0"/>
+        </a:xfrm>
+      </p:grpSpPr>
+      <p:sp>
+        <p:nvSpPr>
+          <p:cNvPr id="2" name="Title 1">
+            <a:extLst>
+              <a:ext uri="{FF2B5EF4-FFF2-40B4-BE49-F238E27FC236}">
+                <a16:creationId xmlns:a16="http://schemas.microsoft.com/office/drawing/2014/main" id="{A5102C60-6701-3991-4984-9AF4F247E977}"/>
+              </a:ext>
+            </a:extLst>
+          </p:cNvPr>
+          <p:cNvSpPr>
+            <a:spLocks noGrp="1"/>
+          </p:cNvSpPr>
+          <p:nvPr>
+            <p:ph type="title"/>
+          </p:nvPr>
+        </p:nvSpPr>
+        <p:spPr/>
+        <p:txBody>
+          <a:bodyPr/>
+          <a:lstStyle/>
+          <a:p>
+            <a:r>
+              <a:rPr lang="en-US" dirty="0"/>
+              <a:t>What are DB-Views and why we should use them?</a:t>
+            </a:r>
+          </a:p>
+        </p:txBody>
+      </p:sp>
+      <p:sp>
+        <p:nvSpPr>
+          <p:cNvPr id="3" name="Content Placeholder 2">
+            <a:extLst>
+              <a:ext uri="{FF2B5EF4-FFF2-40B4-BE49-F238E27FC236}">
+                <a16:creationId xmlns:a16="http://schemas.microsoft.com/office/drawing/2014/main" id="{857BDE84-E5EA-3DEB-344E-212F911982DA}"/>
+              </a:ext>
+            </a:extLst>
+          </p:cNvPr>
+          <p:cNvSpPr>
+            <a:spLocks noGrp="1"/>
+          </p:cNvSpPr>
+          <p:nvPr>
+            <p:ph idx="1"/>
+          </p:nvPr>
+        </p:nvSpPr>
+        <p:spPr/>
+        <p:txBody>
+          <a:bodyPr vert="horz" lIns="91440" tIns="45720" rIns="91440" bIns="45720" rtlCol="0">
+            <a:normAutofit/>
+          </a:bodyPr>
+          <a:lstStyle/>
+          <a:p>
+            <a:r>
+              <a:rPr lang="en-US" dirty="0"/>
+              <a:t>Customized presentation</a:t>
+            </a:r>
+          </a:p>
+          <a:p>
+            <a:r>
+              <a:rPr lang="en-US" dirty="0"/>
+              <a:t>Security</a:t>
+            </a:r>
+          </a:p>
+          <a:p>
+            <a:r>
+              <a:rPr lang="en-US" dirty="0"/>
+              <a:t>Simplicity</a:t>
+            </a:r>
+          </a:p>
+          <a:p>
+            <a:r>
+              <a:rPr lang="en-US" dirty="0"/>
+              <a:t>Data abstraction</a:t>
+            </a:r>
+          </a:p>
+          <a:p>
+            <a:r>
+              <a:rPr lang="en-US" dirty="0"/>
+              <a:t>Reusable queries</a:t>
+            </a:r>
+          </a:p>
+        </p:txBody>
+      </p:sp>
+      <p:sp>
+        <p:nvSpPr>
+          <p:cNvPr id="4" name="Date Placeholder 3">
+            <a:extLst>
+              <a:ext uri="{FF2B5EF4-FFF2-40B4-BE49-F238E27FC236}">
+                <a16:creationId xmlns:a16="http://schemas.microsoft.com/office/drawing/2014/main" id="{714C1F51-7352-8436-889D-619792129383}"/>
+              </a:ext>
+            </a:extLst>
+          </p:cNvPr>
+          <p:cNvSpPr>
+            <a:spLocks noGrp="1"/>
+          </p:cNvSpPr>
+          <p:nvPr>
+            <p:ph type="dt" sz="half" idx="10"/>
+          </p:nvPr>
+        </p:nvSpPr>
+        <p:spPr/>
+        <p:txBody>
+          <a:bodyPr/>
+          <a:lstStyle/>
+          <a:p>
+            <a:r>
+              <a:rPr lang="vi-VN"/>
+              <a:t>19/12/2023</a:t>
+            </a:r>
+            <a:endParaRPr lang="en-US" dirty="0"/>
+          </a:p>
+        </p:txBody>
+      </p:sp>
+      <p:sp>
+        <p:nvSpPr>
+          <p:cNvPr id="5" name="Footer Placeholder 4">
+            <a:extLst>
+              <a:ext uri="{FF2B5EF4-FFF2-40B4-BE49-F238E27FC236}">
+                <a16:creationId xmlns:a16="http://schemas.microsoft.com/office/drawing/2014/main" id="{8595CB2B-3551-7C0F-700B-CFA2FA2B2EE1}"/>
+              </a:ext>
+            </a:extLst>
+          </p:cNvPr>
+          <p:cNvSpPr>
+            <a:spLocks noGrp="1"/>
+          </p:cNvSpPr>
+          <p:nvPr>
+            <p:ph type="ftr" sz="quarter" idx="11"/>
+          </p:nvPr>
+        </p:nvSpPr>
+        <p:spPr/>
+        <p:txBody>
+          <a:bodyPr/>
+          <a:lstStyle/>
+          <a:p>
+            <a:r>
+              <a:rPr lang="en-US"/>
+              <a:t>GSI</a:t>
+            </a:r>
+            <a:endParaRPr lang="en-US" dirty="0"/>
+          </a:p>
+        </p:txBody>
+      </p:sp>
+      <p:sp>
+        <p:nvSpPr>
+          <p:cNvPr id="6" name="Slide Number Placeholder 5">
+            <a:extLst>
+              <a:ext uri="{FF2B5EF4-FFF2-40B4-BE49-F238E27FC236}">
+                <a16:creationId xmlns:a16="http://schemas.microsoft.com/office/drawing/2014/main" id="{C4655343-F385-438C-643E-EF9C74492320}"/>
+              </a:ext>
+            </a:extLst>
+          </p:cNvPr>
+          <p:cNvSpPr>
+            <a:spLocks noGrp="1"/>
+          </p:cNvSpPr>
+          <p:nvPr>
+            <p:ph type="sldNum" sz="quarter" idx="12"/>
+          </p:nvPr>
+        </p:nvSpPr>
+        <p:spPr/>
+        <p:txBody>
+          <a:bodyPr/>
+          <a:lstStyle/>
+          <a:p>
+            <a:fld id="{2FB79C59-F32A-44C5-BD88-D6F83C6AD380}" type="slidenum">
+              <a:rPr lang="en-US" smtClean="0"/>
+              <a:t>9</a:t>
+            </a:fld>
+            <a:endParaRPr lang="en-US"/>
+          </a:p>
+        </p:txBody>
+      </p:sp>
+    </p:spTree>
+    <p:extLst>
+      <p:ext uri="{BB962C8B-B14F-4D97-AF65-F5344CB8AC3E}">
+        <p14:creationId xmlns:p14="http://schemas.microsoft.com/office/powerpoint/2010/main" val="3860940892"/>
       </p:ext>
     </p:extLst>
   </p:cSld>
@@ -6541,6 +9049,17 @@
 </file>
 
 <file path=customXml/item1.xml><?xml version="1.0" encoding="utf-8"?>
+<p:properties xmlns:p="http://schemas.microsoft.com/office/2006/metadata/properties" xmlns:xsi="http://www.w3.org/2001/XMLSchema-instance" xmlns:pc="http://schemas.microsoft.com/office/infopath/2007/PartnerControls">
+  <documentManagement>
+    <TaxCatchAll xmlns="231742ab-05ec-4f96-a981-a771f0dc5ac4" xsi:nil="true"/>
+    <lcf76f155ced4ddcb4097134ff3c332f xmlns="f629341c-4cde-4c27-8491-b27ba532aee8">
+      <Terms xmlns="http://schemas.microsoft.com/office/infopath/2007/PartnerControls"/>
+    </lcf76f155ced4ddcb4097134ff3c332f>
+  </documentManagement>
+</p:properties>
+</file>
+
+<file path=customXml/item2.xml><?xml version="1.0" encoding="utf-8"?>
 <ct:contentTypeSchema xmlns:ct="http://schemas.microsoft.com/office/2006/metadata/contentType" xmlns:ma="http://schemas.microsoft.com/office/2006/metadata/properties/metaAttributes" ct:_="" ma:_="" ma:contentTypeName="Document" ma:contentTypeID="0x01010059F091225DB1A947B01CB99F9AE9BB58" ma:contentTypeVersion="20" ma:contentTypeDescription="Create a new document." ma:contentTypeScope="" ma:versionID="f0907949df67cd8578a2dbd61e345099">
   <xsd:schema xmlns:xsd="http://www.w3.org/2001/XMLSchema" xmlns:xs="http://www.w3.org/2001/XMLSchema" xmlns:p="http://schemas.microsoft.com/office/2006/metadata/properties" xmlns:ns2="f629341c-4cde-4c27-8491-b27ba532aee8" xmlns:ns3="231742ab-05ec-4f96-a981-a771f0dc5ac4" targetNamespace="http://schemas.microsoft.com/office/2006/metadata/properties" ma:root="true" ma:fieldsID="357ff0bfbdf80d512588bbf9ae5ff5da" ns2:_="" ns3:_="">
     <xsd:import namespace="f629341c-4cde-4c27-8491-b27ba532aee8"/>
@@ -6755,17 +9274,6 @@
 </ct:contentTypeSchema>
 </file>
 
-<file path=customXml/item2.xml><?xml version="1.0" encoding="utf-8"?>
-<p:properties xmlns:p="http://schemas.microsoft.com/office/2006/metadata/properties" xmlns:xsi="http://www.w3.org/2001/XMLSchema-instance" xmlns:pc="http://schemas.microsoft.com/office/infopath/2007/PartnerControls">
-  <documentManagement>
-    <TaxCatchAll xmlns="231742ab-05ec-4f96-a981-a771f0dc5ac4" xsi:nil="true"/>
-    <lcf76f155ced4ddcb4097134ff3c332f xmlns="f629341c-4cde-4c27-8491-b27ba532aee8">
-      <Terms xmlns="http://schemas.microsoft.com/office/infopath/2007/PartnerControls"/>
-    </lcf76f155ced4ddcb4097134ff3c332f>
-  </documentManagement>
-</p:properties>
-</file>
-
 <file path=customXml/item3.xml><?xml version="1.0" encoding="utf-8"?>
 <?mso-contentType ?>
 <FormTemplates xmlns="http://schemas.microsoft.com/sharepoint/v3/contenttype/forms">
@@ -6776,6 +9284,17 @@
 </file>
 
 <file path=customXml/itemProps1.xml><?xml version="1.0" encoding="utf-8"?>
+<ds:datastoreItem xmlns:ds="http://schemas.openxmlformats.org/officeDocument/2006/customXml" ds:itemID="{65DB626F-72E2-49BA-8CB3-D64BACF09F7B}">
+  <ds:schemaRefs>
+    <ds:schemaRef ds:uri="http://schemas.microsoft.com/office/2006/metadata/properties"/>
+    <ds:schemaRef ds:uri="http://schemas.microsoft.com/office/infopath/2007/PartnerControls"/>
+    <ds:schemaRef ds:uri="231742ab-05ec-4f96-a981-a771f0dc5ac4"/>
+    <ds:schemaRef ds:uri="f629341c-4cde-4c27-8491-b27ba532aee8"/>
+  </ds:schemaRefs>
+</ds:datastoreItem>
+</file>
+
+<file path=customXml/itemProps2.xml><?xml version="1.0" encoding="utf-8"?>
 <ds:datastoreItem xmlns:ds="http://schemas.openxmlformats.org/officeDocument/2006/customXml" ds:itemID="{1EA1F8CA-0FC9-4508-AEC8-E87E8D868B5D}">
   <ds:schemaRefs>
     <ds:schemaRef ds:uri="http://schemas.microsoft.com/office/2006/metadata/contentType"/>
@@ -6794,17 +9313,6 @@
 </ds:datastoreItem>
 </file>
 
-<file path=customXml/itemProps2.xml><?xml version="1.0" encoding="utf-8"?>
-<ds:datastoreItem xmlns:ds="http://schemas.openxmlformats.org/officeDocument/2006/customXml" ds:itemID="{65DB626F-72E2-49BA-8CB3-D64BACF09F7B}">
-  <ds:schemaRefs>
-    <ds:schemaRef ds:uri="http://schemas.microsoft.com/office/2006/metadata/properties"/>
-    <ds:schemaRef ds:uri="http://schemas.microsoft.com/office/infopath/2007/PartnerControls"/>
-    <ds:schemaRef ds:uri="231742ab-05ec-4f96-a981-a771f0dc5ac4"/>
-    <ds:schemaRef ds:uri="f629341c-4cde-4c27-8491-b27ba532aee8"/>
-  </ds:schemaRefs>
-</ds:datastoreItem>
-</file>
-
 <file path=customXml/itemProps3.xml><?xml version="1.0" encoding="utf-8"?>
 <ds:datastoreItem xmlns:ds="http://schemas.openxmlformats.org/officeDocument/2006/customXml" ds:itemID="{A373C971-40AF-4018-B4E4-CFAD404470C3}">
   <ds:schemaRefs>

--- a/sprint.review.20231219_Tuyen.pptx
+++ b/sprint.review.20231219_Tuyen.pptx
@@ -4926,42 +4926,84 @@
           </a:xfrm>
         </p:spPr>
         <p:txBody>
-          <a:bodyPr/>
-          <a:lstStyle/>
-          <a:p>
+          <a:bodyPr>
+            <a:normAutofit/>
+          </a:bodyPr>
+          <a:lstStyle/>
+          <a:p>
+            <a:r>
+              <a:rPr lang="en-US" dirty="0">
+                <a:solidFill>
+                  <a:schemeClr val="accent4">
+                    <a:lumMod val="50000"/>
+                  </a:schemeClr>
+                </a:solidFill>
+              </a:rPr>
+              <a:t>Normalization: </a:t>
+            </a:r>
             <a:r>
               <a:rPr lang="en-US" dirty="0"/>
-              <a:t>Data modeling</a:t>
-            </a:r>
-          </a:p>
-          <a:p>
+              <a:t>following rules to organize data efficiently.</a:t>
+            </a:r>
+          </a:p>
+          <a:p>
+            <a:r>
+              <a:rPr lang="en-US" dirty="0">
+                <a:solidFill>
+                  <a:schemeClr val="accent4">
+                    <a:lumMod val="50000"/>
+                  </a:schemeClr>
+                </a:solidFill>
+              </a:rPr>
+              <a:t>Indexes: </a:t>
+            </a:r>
             <a:r>
               <a:rPr lang="en-US" dirty="0"/>
-              <a:t>Indexing</a:t>
-            </a:r>
-          </a:p>
-          <a:p>
+              <a:t>use for searching data, improving data query performance.</a:t>
+            </a:r>
+          </a:p>
+          <a:p>
+            <a:r>
+              <a:rPr lang="en-US" dirty="0">
+                <a:solidFill>
+                  <a:schemeClr val="accent4">
+                    <a:lumMod val="50000"/>
+                  </a:schemeClr>
+                </a:solidFill>
+              </a:rPr>
+              <a:t>Keys: </a:t>
+            </a:r>
             <a:r>
               <a:rPr lang="en-US" dirty="0"/>
-              <a:t>Query optimization</a:t>
-            </a:r>
-          </a:p>
-          <a:p>
+              <a:t>primary key, foreign key.</a:t>
+            </a:r>
+          </a:p>
+          <a:p>
+            <a:r>
+              <a:rPr lang="en-US" dirty="0">
+                <a:solidFill>
+                  <a:schemeClr val="accent4">
+                    <a:lumMod val="50000"/>
+                  </a:schemeClr>
+                </a:solidFill>
+              </a:rPr>
+              <a:t>Testing &amp; optimization queries</a:t>
+            </a:r>
+          </a:p>
+          <a:p>
+            <a:r>
+              <a:rPr lang="en-US" dirty="0">
+                <a:solidFill>
+                  <a:schemeClr val="accent4">
+                    <a:lumMod val="50000"/>
+                  </a:schemeClr>
+                </a:solidFill>
+              </a:rPr>
+              <a:t>Transactions: </a:t>
+            </a:r>
             <a:r>
               <a:rPr lang="en-US" dirty="0"/>
-              <a:t>Normalization &amp; denormalization</a:t>
-            </a:r>
-          </a:p>
-          <a:p>
-            <a:r>
-              <a:rPr lang="en-US" dirty="0"/>
-              <a:t>Transactions</a:t>
-            </a:r>
-          </a:p>
-          <a:p>
-            <a:r>
-              <a:rPr lang="en-US" dirty="0"/>
-              <a:t>Backup &amp; recovery</a:t>
+              <a:t>ensuring data following ACID rule.</a:t>
             </a:r>
           </a:p>
           <a:p>
@@ -5249,38 +5291,91 @@
           </a:lstStyle>
           <a:p>
             <a:r>
+              <a:rPr lang="en-US" dirty="0">
+                <a:solidFill>
+                  <a:schemeClr val="accent4">
+                    <a:lumMod val="50000"/>
+                  </a:schemeClr>
+                </a:solidFill>
+              </a:rPr>
+              <a:t>Security: </a:t>
+            </a:r>
+            <a:r>
               <a:rPr lang="en-US" dirty="0"/>
-              <a:t>Security</a:t>
-            </a:r>
-          </a:p>
-          <a:p>
+              <a:t>authentication, authorization, encryption data.</a:t>
+            </a:r>
+          </a:p>
+          <a:p>
+            <a:r>
+              <a:rPr lang="en-US" dirty="0">
+                <a:solidFill>
+                  <a:schemeClr val="accent4">
+                    <a:lumMod val="50000"/>
+                  </a:schemeClr>
+                </a:solidFill>
+              </a:rPr>
+              <a:t>Backup &amp; recovery</a:t>
+            </a:r>
+          </a:p>
+          <a:p>
+            <a:r>
+              <a:rPr lang="en-US" dirty="0">
+                <a:solidFill>
+                  <a:schemeClr val="accent4">
+                    <a:lumMod val="50000"/>
+                  </a:schemeClr>
+                </a:solidFill>
+              </a:rPr>
+              <a:t>Regular maintenance</a:t>
+            </a:r>
+            <a:endParaRPr lang="en-US" dirty="0"/>
+          </a:p>
+          <a:p>
+            <a:r>
+              <a:rPr lang="en-US" dirty="0">
+                <a:solidFill>
+                  <a:schemeClr val="accent4">
+                    <a:lumMod val="50000"/>
+                  </a:schemeClr>
+                </a:solidFill>
+              </a:rPr>
+              <a:t>Monitoring &amp; logging: </a:t>
+            </a:r>
+            <a:r>
+              <a:rPr lang="en-US" dirty="0">
+                <a:solidFill>
+                  <a:srgbClr val="000000"/>
+                </a:solidFill>
+              </a:rPr>
+              <a:t>tracking performance metrics.</a:t>
+            </a:r>
+          </a:p>
+          <a:p>
+            <a:r>
+              <a:rPr lang="en-US" dirty="0">
+                <a:solidFill>
+                  <a:schemeClr val="accent4">
+                    <a:lumMod val="50000"/>
+                  </a:schemeClr>
+                </a:solidFill>
+              </a:rPr>
+              <a:t>Scalability planning: </a:t>
+            </a:r>
             <a:r>
               <a:rPr lang="en-US" dirty="0"/>
-              <a:t>Monitoring &amp; logging</a:t>
-            </a:r>
-          </a:p>
-          <a:p>
-            <a:r>
-              <a:rPr lang="en-US" dirty="0"/>
-              <a:t>Scalability</a:t>
-            </a:r>
-          </a:p>
-          <a:p>
-            <a:r>
-              <a:rPr lang="en-US" dirty="0"/>
+              <a:t>design the scalable database.</a:t>
+            </a:r>
+          </a:p>
+          <a:p>
+            <a:r>
+              <a:rPr lang="en-US" dirty="0">
+                <a:solidFill>
+                  <a:schemeClr val="accent4">
+                    <a:lumMod val="50000"/>
+                  </a:schemeClr>
+                </a:solidFill>
+              </a:rPr>
               <a:t>Documentation</a:t>
-            </a:r>
-          </a:p>
-          <a:p>
-            <a:r>
-              <a:rPr lang="en-US" dirty="0"/>
-              <a:t>Regular maintenance</a:t>
-            </a:r>
-          </a:p>
-          <a:p>
-            <a:r>
-              <a:rPr lang="en-US" dirty="0"/>
-              <a:t>Testing</a:t>
             </a:r>
           </a:p>
         </p:txBody>
@@ -7458,43 +7553,87 @@
         </p:spPr>
         <p:txBody>
           <a:bodyPr>
-            <a:normAutofit/>
+            <a:normAutofit fontScale="92500" lnSpcReduction="10000"/>
           </a:bodyPr>
           <a:lstStyle/>
           <a:p>
             <a:r>
+              <a:rPr lang="en-US" dirty="0">
+                <a:solidFill>
+                  <a:schemeClr val="accent4">
+                    <a:lumMod val="50000"/>
+                  </a:schemeClr>
+                </a:solidFill>
+              </a:rPr>
+              <a:t>Data integrity: </a:t>
+            </a:r>
+            <a:r>
               <a:rPr lang="en-US" dirty="0"/>
-              <a:t>Data integrity</a:t>
-            </a:r>
-          </a:p>
-          <a:p>
+              <a:t>ensuring data correctly, consistently, entirely.</a:t>
+            </a:r>
+          </a:p>
+          <a:p>
+            <a:r>
+              <a:rPr lang="en-US" dirty="0">
+                <a:solidFill>
+                  <a:schemeClr val="accent4">
+                    <a:lumMod val="50000"/>
+                  </a:schemeClr>
+                </a:solidFill>
+              </a:rPr>
+              <a:t>Organization &amp; structure: </a:t>
+            </a:r>
             <a:r>
               <a:rPr lang="en-US" dirty="0"/>
-              <a:t>Organization &amp; structure</a:t>
-            </a:r>
-          </a:p>
-          <a:p>
+              <a:t>easily understand data structure.</a:t>
+            </a:r>
+          </a:p>
+          <a:p>
+            <a:r>
+              <a:rPr lang="en-US" dirty="0">
+                <a:solidFill>
+                  <a:schemeClr val="accent4">
+                    <a:lumMod val="50000"/>
+                  </a:schemeClr>
+                </a:solidFill>
+              </a:rPr>
+              <a:t>Query flexibility: </a:t>
+            </a:r>
             <a:r>
               <a:rPr lang="en-US" dirty="0"/>
-              <a:t>Query flexibility</a:t>
-            </a:r>
-          </a:p>
-          <a:p>
+              <a:t>using SQL, powerful data manipulation capabilities.</a:t>
+            </a:r>
+          </a:p>
+          <a:p>
+            <a:r>
+              <a:rPr lang="en-US" dirty="0">
+                <a:solidFill>
+                  <a:schemeClr val="accent4">
+                    <a:lumMod val="50000"/>
+                  </a:schemeClr>
+                </a:solidFill>
+              </a:rPr>
+              <a:t>Data security: </a:t>
+            </a:r>
             <a:r>
               <a:rPr lang="en-US" dirty="0"/>
-              <a:t>Ease of use</a:t>
-            </a:r>
-          </a:p>
-          <a:p>
+              <a:t>authorization, authentication, access control.</a:t>
+            </a:r>
+          </a:p>
+          <a:p>
+            <a:r>
+              <a:rPr lang="en-US" dirty="0">
+                <a:solidFill>
+                  <a:schemeClr val="accent4">
+                    <a:lumMod val="50000"/>
+                  </a:schemeClr>
+                </a:solidFill>
+              </a:rPr>
+              <a:t>Standardization: </a:t>
+            </a:r>
             <a:r>
               <a:rPr lang="en-US" dirty="0"/>
-              <a:t>Data security</a:t>
-            </a:r>
-          </a:p>
-          <a:p>
-            <a:r>
-              <a:rPr lang="en-US" dirty="0"/>
-              <a:t>Consistency &amp; standardization</a:t>
+              <a:t>adaptable to many flatforms.</a:t>
             </a:r>
           </a:p>
         </p:txBody>
@@ -7550,10 +7689,9 @@
           <a:lstStyle/>
           <a:p>
             <a:r>
-              <a:rPr lang="en-US"/>
+              <a:rPr lang="en-US" dirty="0"/>
               <a:t>GSI</a:t>
             </a:r>
-            <a:endParaRPr lang="en-US" dirty="0"/>
           </a:p>
         </p:txBody>
       </p:sp>
@@ -7602,8 +7740,8 @@
         </p:nvSpPr>
         <p:spPr>
           <a:xfrm>
-            <a:off x="6101032" y="1825625"/>
-            <a:ext cx="5019136" cy="4351338"/>
+            <a:off x="5857336" y="1825625"/>
+            <a:ext cx="5262832" cy="4351338"/>
           </a:xfrm>
           <a:prstGeom prst="rect">
             <a:avLst/>
@@ -7611,7 +7749,7 @@
         </p:spPr>
         <p:txBody>
           <a:bodyPr vert="horz" lIns="91440" tIns="45720" rIns="91440" bIns="45720" rtlCol="0">
-            <a:normAutofit/>
+            <a:normAutofit fontScale="92500"/>
           </a:bodyPr>
           <a:lstStyle>
             <a:lvl1pPr marL="228600" indent="-228600" defTabSz="914400">
@@ -7711,37 +7849,83 @@
           <a:p>
             <a:r>
               <a:rPr lang="en-US" dirty="0"/>
-              <a:t>Concurrency control</a:t>
-            </a:r>
-          </a:p>
-          <a:p>
+              <a:t>Concurrency control:</a:t>
+            </a:r>
+          </a:p>
+          <a:p>
+            <a:r>
+              <a:rPr lang="en-US" dirty="0">
+                <a:solidFill>
+                  <a:schemeClr val="accent4">
+                    <a:lumMod val="50000"/>
+                  </a:schemeClr>
+                </a:solidFill>
+              </a:rPr>
+              <a:t>Scalability: </a:t>
+            </a:r>
             <a:r>
               <a:rPr lang="en-US" dirty="0"/>
-              <a:t>Scalability</a:t>
-            </a:r>
-          </a:p>
-          <a:p>
+              <a:t>distributing data across multiple servers. </a:t>
+            </a:r>
+          </a:p>
+          <a:p>
+            <a:r>
+              <a:rPr lang="en-US" dirty="0">
+                <a:solidFill>
+                  <a:schemeClr val="accent4">
+                    <a:lumMod val="50000"/>
+                  </a:schemeClr>
+                </a:solidFill>
+              </a:rPr>
+              <a:t>ACID transactions: </a:t>
+            </a:r>
             <a:r>
               <a:rPr lang="en-US" dirty="0"/>
-              <a:t>ACID transactions</a:t>
-            </a:r>
-          </a:p>
-          <a:p>
+              <a:t>Atomicity, Consistency, Isolation, Durability.</a:t>
+            </a:r>
+          </a:p>
+          <a:p>
+            <a:r>
+              <a:rPr lang="en-US" dirty="0">
+                <a:solidFill>
+                  <a:schemeClr val="accent4">
+                    <a:lumMod val="50000"/>
+                  </a:schemeClr>
+                </a:solidFill>
+              </a:rPr>
+              <a:t>Data independence: </a:t>
+            </a:r>
             <a:r>
               <a:rPr lang="en-US" dirty="0"/>
-              <a:t>Data independence</a:t>
-            </a:r>
-          </a:p>
-          <a:p>
+              <a:t>changes of schema or physical storage.</a:t>
+            </a:r>
+          </a:p>
+          <a:p>
+            <a:r>
+              <a:rPr lang="en-US" dirty="0">
+                <a:solidFill>
+                  <a:schemeClr val="accent4">
+                    <a:lumMod val="50000"/>
+                  </a:schemeClr>
+                </a:solidFill>
+              </a:rPr>
+              <a:t>Backup &amp; recovery</a:t>
+            </a:r>
+          </a:p>
+          <a:p>
+            <a:r>
+              <a:rPr lang="en-US" dirty="0">
+                <a:solidFill>
+                  <a:schemeClr val="accent4">
+                    <a:lumMod val="50000"/>
+                  </a:schemeClr>
+                </a:solidFill>
+              </a:rPr>
+              <a:t>Normalization &amp; efficiency:  </a:t>
+            </a:r>
             <a:r>
               <a:rPr lang="en-US" dirty="0"/>
-              <a:t>Backup &amp; recovery</a:t>
-            </a:r>
-          </a:p>
-          <a:p>
-            <a:r>
-              <a:rPr lang="en-US" dirty="0"/>
-              <a:t>Normalization &amp; Efficiency</a:t>
+              <a:t>eliminating data redundancy.</a:t>
             </a:r>
           </a:p>
         </p:txBody>
@@ -8047,7 +8231,12 @@
             <p:ph idx="1"/>
           </p:nvPr>
         </p:nvSpPr>
-        <p:spPr/>
+        <p:spPr>
+          <a:xfrm>
+            <a:off x="838200" y="1825625"/>
+            <a:ext cx="5257800" cy="4351338"/>
+          </a:xfrm>
+        </p:spPr>
         <p:txBody>
           <a:bodyPr vert="horz" lIns="91440" tIns="45720" rIns="91440" bIns="45720" rtlCol="0">
             <a:normAutofit/>
@@ -8055,32 +8244,50 @@
           <a:lstStyle/>
           <a:p>
             <a:r>
+              <a:rPr lang="en-US" dirty="0">
+                <a:solidFill>
+                  <a:schemeClr val="accent4">
+                    <a:lumMod val="50000"/>
+                  </a:schemeClr>
+                </a:solidFill>
+              </a:rPr>
+              <a:t>Security: </a:t>
+            </a:r>
+            <a:r>
               <a:rPr lang="en-US" dirty="0"/>
-              <a:t>Customized presentation</a:t>
-            </a:r>
-          </a:p>
-          <a:p>
+              <a:t>users can be granted permission to access views rather than the underlying tables.</a:t>
+            </a:r>
+          </a:p>
+          <a:p>
+            <a:r>
+              <a:rPr lang="en-US" dirty="0">
+                <a:solidFill>
+                  <a:schemeClr val="accent4">
+                    <a:lumMod val="50000"/>
+                  </a:schemeClr>
+                </a:solidFill>
+              </a:rPr>
+              <a:t>Data abstraction: </a:t>
+            </a:r>
             <a:r>
               <a:rPr lang="en-US" dirty="0"/>
-              <a:t>Security</a:t>
-            </a:r>
-          </a:p>
-          <a:p>
+              <a:t>users can see database less complicated.</a:t>
+            </a:r>
+          </a:p>
+          <a:p>
+            <a:r>
+              <a:rPr lang="en-US" dirty="0">
+                <a:solidFill>
+                  <a:schemeClr val="accent4">
+                    <a:lumMod val="50000"/>
+                  </a:schemeClr>
+                </a:solidFill>
+              </a:rPr>
+              <a:t>Simplifying queries: </a:t>
+            </a:r>
             <a:r>
               <a:rPr lang="en-US" dirty="0"/>
-              <a:t>Simplicity</a:t>
-            </a:r>
-          </a:p>
-          <a:p>
-            <a:r>
-              <a:rPr lang="en-US" dirty="0"/>
-              <a:t>Data abstraction</a:t>
-            </a:r>
-          </a:p>
-          <a:p>
-            <a:r>
-              <a:rPr lang="en-US" dirty="0"/>
-              <a:t>Reusable queries</a:t>
+              <a:t>simplifying the process of querying the database.</a:t>
             </a:r>
           </a:p>
         </p:txBody>
@@ -8169,6 +8376,263 @@
               <a:t>9</a:t>
             </a:fld>
             <a:endParaRPr lang="en-US"/>
+          </a:p>
+        </p:txBody>
+      </p:sp>
+      <p:sp>
+        <p:nvSpPr>
+          <p:cNvPr id="7" name="Content Placeholder 2">
+            <a:extLst>
+              <a:ext uri="{FF2B5EF4-FFF2-40B4-BE49-F238E27FC236}">
+                <a16:creationId xmlns:a16="http://schemas.microsoft.com/office/drawing/2014/main" id="{B4F4D47C-7084-C4B5-622D-BB4CD79A5D4E}"/>
+              </a:ext>
+            </a:extLst>
+          </p:cNvPr>
+          <p:cNvSpPr txBox="1">
+            <a:spLocks/>
+          </p:cNvSpPr>
+          <p:nvPr/>
+        </p:nvSpPr>
+        <p:spPr>
+          <a:xfrm>
+            <a:off x="6096000" y="1825625"/>
+            <a:ext cx="5257800" cy="4351338"/>
+          </a:xfrm>
+          <a:prstGeom prst="rect">
+            <a:avLst/>
+          </a:prstGeom>
+        </p:spPr>
+        <p:txBody>
+          <a:bodyPr vert="horz" lIns="91440" tIns="45720" rIns="91440" bIns="45720" rtlCol="0">
+            <a:normAutofit/>
+          </a:bodyPr>
+          <a:lstStyle>
+            <a:lvl1pPr marL="228600" indent="-228600" algn="l" defTabSz="914400" rtl="0" eaLnBrk="1" latinLnBrk="0" hangingPunct="1">
+              <a:lnSpc>
+                <a:spcPct val="90000"/>
+              </a:lnSpc>
+              <a:spcBef>
+                <a:spcPts val="1000"/>
+              </a:spcBef>
+              <a:buFont typeface="Arial" panose="020B0604020202020204" pitchFamily="34" charset="0"/>
+              <a:buChar char="•"/>
+              <a:defRPr sz="2800" kern="1200">
+                <a:solidFill>
+                  <a:schemeClr val="tx1"/>
+                </a:solidFill>
+                <a:latin typeface="+mn-lt"/>
+                <a:ea typeface="+mn-ea"/>
+                <a:cs typeface="+mn-cs"/>
+              </a:defRPr>
+            </a:lvl1pPr>
+            <a:lvl2pPr marL="685800" indent="-228600" algn="l" defTabSz="914400" rtl="0" eaLnBrk="1" latinLnBrk="0" hangingPunct="1">
+              <a:lnSpc>
+                <a:spcPct val="90000"/>
+              </a:lnSpc>
+              <a:spcBef>
+                <a:spcPts val="500"/>
+              </a:spcBef>
+              <a:buFont typeface="Arial" panose="020B0604020202020204" pitchFamily="34" charset="0"/>
+              <a:buChar char="•"/>
+              <a:defRPr sz="2400" kern="1200">
+                <a:solidFill>
+                  <a:schemeClr val="tx1"/>
+                </a:solidFill>
+                <a:latin typeface="+mn-lt"/>
+                <a:ea typeface="+mn-ea"/>
+                <a:cs typeface="+mn-cs"/>
+              </a:defRPr>
+            </a:lvl2pPr>
+            <a:lvl3pPr marL="1143000" indent="-228600" algn="l" defTabSz="914400" rtl="0" eaLnBrk="1" latinLnBrk="0" hangingPunct="1">
+              <a:lnSpc>
+                <a:spcPct val="90000"/>
+              </a:lnSpc>
+              <a:spcBef>
+                <a:spcPts val="500"/>
+              </a:spcBef>
+              <a:buFont typeface="Arial" panose="020B0604020202020204" pitchFamily="34" charset="0"/>
+              <a:buChar char="•"/>
+              <a:defRPr sz="2000" kern="1200">
+                <a:solidFill>
+                  <a:schemeClr val="tx1"/>
+                </a:solidFill>
+                <a:latin typeface="+mn-lt"/>
+                <a:ea typeface="+mn-ea"/>
+                <a:cs typeface="+mn-cs"/>
+              </a:defRPr>
+            </a:lvl3pPr>
+            <a:lvl4pPr marL="1600200" indent="-228600" algn="l" defTabSz="914400" rtl="0" eaLnBrk="1" latinLnBrk="0" hangingPunct="1">
+              <a:lnSpc>
+                <a:spcPct val="90000"/>
+              </a:lnSpc>
+              <a:spcBef>
+                <a:spcPts val="500"/>
+              </a:spcBef>
+              <a:buFont typeface="Arial" panose="020B0604020202020204" pitchFamily="34" charset="0"/>
+              <a:buChar char="•"/>
+              <a:defRPr sz="1800" kern="1200">
+                <a:solidFill>
+                  <a:schemeClr val="tx1"/>
+                </a:solidFill>
+                <a:latin typeface="+mn-lt"/>
+                <a:ea typeface="+mn-ea"/>
+                <a:cs typeface="+mn-cs"/>
+              </a:defRPr>
+            </a:lvl4pPr>
+            <a:lvl5pPr marL="2057400" indent="-228600" algn="l" defTabSz="914400" rtl="0" eaLnBrk="1" latinLnBrk="0" hangingPunct="1">
+              <a:lnSpc>
+                <a:spcPct val="90000"/>
+              </a:lnSpc>
+              <a:spcBef>
+                <a:spcPts val="500"/>
+              </a:spcBef>
+              <a:buFont typeface="Arial" panose="020B0604020202020204" pitchFamily="34" charset="0"/>
+              <a:buChar char="•"/>
+              <a:defRPr sz="1800" kern="1200">
+                <a:solidFill>
+                  <a:schemeClr val="tx1"/>
+                </a:solidFill>
+                <a:latin typeface="+mn-lt"/>
+                <a:ea typeface="+mn-ea"/>
+                <a:cs typeface="+mn-cs"/>
+              </a:defRPr>
+            </a:lvl5pPr>
+            <a:lvl6pPr marL="2514600" indent="-228600" algn="l" defTabSz="914400" rtl="0" eaLnBrk="1" latinLnBrk="0" hangingPunct="1">
+              <a:lnSpc>
+                <a:spcPct val="90000"/>
+              </a:lnSpc>
+              <a:spcBef>
+                <a:spcPts val="500"/>
+              </a:spcBef>
+              <a:buFont typeface="Arial" panose="020B0604020202020204" pitchFamily="34" charset="0"/>
+              <a:buChar char="•"/>
+              <a:defRPr sz="1800" kern="1200">
+                <a:solidFill>
+                  <a:schemeClr val="tx1"/>
+                </a:solidFill>
+                <a:latin typeface="+mn-lt"/>
+                <a:ea typeface="+mn-ea"/>
+                <a:cs typeface="+mn-cs"/>
+              </a:defRPr>
+            </a:lvl6pPr>
+            <a:lvl7pPr marL="2971800" indent="-228600" algn="l" defTabSz="914400" rtl="0" eaLnBrk="1" latinLnBrk="0" hangingPunct="1">
+              <a:lnSpc>
+                <a:spcPct val="90000"/>
+              </a:lnSpc>
+              <a:spcBef>
+                <a:spcPts val="500"/>
+              </a:spcBef>
+              <a:buFont typeface="Arial" panose="020B0604020202020204" pitchFamily="34" charset="0"/>
+              <a:buChar char="•"/>
+              <a:defRPr sz="1800" kern="1200">
+                <a:solidFill>
+                  <a:schemeClr val="tx1"/>
+                </a:solidFill>
+                <a:latin typeface="+mn-lt"/>
+                <a:ea typeface="+mn-ea"/>
+                <a:cs typeface="+mn-cs"/>
+              </a:defRPr>
+            </a:lvl7pPr>
+            <a:lvl8pPr marL="3429000" indent="-228600" algn="l" defTabSz="914400" rtl="0" eaLnBrk="1" latinLnBrk="0" hangingPunct="1">
+              <a:lnSpc>
+                <a:spcPct val="90000"/>
+              </a:lnSpc>
+              <a:spcBef>
+                <a:spcPts val="500"/>
+              </a:spcBef>
+              <a:buFont typeface="Arial" panose="020B0604020202020204" pitchFamily="34" charset="0"/>
+              <a:buChar char="•"/>
+              <a:defRPr sz="1800" kern="1200">
+                <a:solidFill>
+                  <a:schemeClr val="tx1"/>
+                </a:solidFill>
+                <a:latin typeface="+mn-lt"/>
+                <a:ea typeface="+mn-ea"/>
+                <a:cs typeface="+mn-cs"/>
+              </a:defRPr>
+            </a:lvl8pPr>
+            <a:lvl9pPr marL="3886200" indent="-228600" algn="l" defTabSz="914400" rtl="0" eaLnBrk="1" latinLnBrk="0" hangingPunct="1">
+              <a:lnSpc>
+                <a:spcPct val="90000"/>
+              </a:lnSpc>
+              <a:spcBef>
+                <a:spcPts val="500"/>
+              </a:spcBef>
+              <a:buFont typeface="Arial" panose="020B0604020202020204" pitchFamily="34" charset="0"/>
+              <a:buChar char="•"/>
+              <a:defRPr sz="1800" kern="1200">
+                <a:solidFill>
+                  <a:schemeClr val="tx1"/>
+                </a:solidFill>
+                <a:latin typeface="+mn-lt"/>
+                <a:ea typeface="+mn-ea"/>
+                <a:cs typeface="+mn-cs"/>
+              </a:defRPr>
+            </a:lvl9pPr>
+          </a:lstStyle>
+          <a:p>
+            <a:r>
+              <a:rPr lang="en-US" dirty="0">
+                <a:solidFill>
+                  <a:schemeClr val="accent4">
+                    <a:lumMod val="50000"/>
+                  </a:schemeClr>
+                </a:solidFill>
+              </a:rPr>
+              <a:t>Performance optimization: </a:t>
+            </a:r>
+            <a:r>
+              <a:rPr lang="en-US" dirty="0"/>
+              <a:t>database engine optimize view queries</a:t>
+            </a:r>
+            <a:endParaRPr lang="en-US" dirty="0">
+              <a:solidFill>
+                <a:schemeClr val="accent4">
+                  <a:lumMod val="50000"/>
+                </a:schemeClr>
+              </a:solidFill>
+            </a:endParaRPr>
+          </a:p>
+          <a:p>
+            <a:r>
+              <a:rPr lang="en-US" dirty="0">
+                <a:solidFill>
+                  <a:schemeClr val="accent4">
+                    <a:lumMod val="50000"/>
+                  </a:schemeClr>
+                </a:solidFill>
+              </a:rPr>
+              <a:t>Consistent data presentation: </a:t>
+            </a:r>
+            <a:r>
+              <a:rPr lang="en-US" dirty="0"/>
+              <a:t>ensuring data correctly from the tables.</a:t>
+            </a:r>
+          </a:p>
+          <a:p>
+            <a:r>
+              <a:rPr lang="en-US" dirty="0">
+                <a:solidFill>
+                  <a:schemeClr val="accent4">
+                    <a:lumMod val="50000"/>
+                  </a:schemeClr>
+                </a:solidFill>
+              </a:rPr>
+              <a:t>Aggregations &amp; calculations: </a:t>
+            </a:r>
+            <a:r>
+              <a:rPr lang="en-US" dirty="0"/>
+              <a:t>can aggregate, calculate through virtual columns.</a:t>
+            </a:r>
+          </a:p>
+          <a:p>
+            <a:endParaRPr lang="en-US" dirty="0">
+              <a:solidFill>
+                <a:schemeClr val="accent4">
+                  <a:lumMod val="50000"/>
+                </a:schemeClr>
+              </a:solidFill>
+            </a:endParaRPr>
           </a:p>
         </p:txBody>
       </p:sp>
@@ -9049,17 +9513,6 @@
 </file>
 
 <file path=customXml/item1.xml><?xml version="1.0" encoding="utf-8"?>
-<p:properties xmlns:p="http://schemas.microsoft.com/office/2006/metadata/properties" xmlns:xsi="http://www.w3.org/2001/XMLSchema-instance" xmlns:pc="http://schemas.microsoft.com/office/infopath/2007/PartnerControls">
-  <documentManagement>
-    <TaxCatchAll xmlns="231742ab-05ec-4f96-a981-a771f0dc5ac4" xsi:nil="true"/>
-    <lcf76f155ced4ddcb4097134ff3c332f xmlns="f629341c-4cde-4c27-8491-b27ba532aee8">
-      <Terms xmlns="http://schemas.microsoft.com/office/infopath/2007/PartnerControls"/>
-    </lcf76f155ced4ddcb4097134ff3c332f>
-  </documentManagement>
-</p:properties>
-</file>
-
-<file path=customXml/item2.xml><?xml version="1.0" encoding="utf-8"?>
 <ct:contentTypeSchema xmlns:ct="http://schemas.microsoft.com/office/2006/metadata/contentType" xmlns:ma="http://schemas.microsoft.com/office/2006/metadata/properties/metaAttributes" ct:_="" ma:_="" ma:contentTypeName="Document" ma:contentTypeID="0x01010059F091225DB1A947B01CB99F9AE9BB58" ma:contentTypeVersion="20" ma:contentTypeDescription="Create a new document." ma:contentTypeScope="" ma:versionID="f0907949df67cd8578a2dbd61e345099">
   <xsd:schema xmlns:xsd="http://www.w3.org/2001/XMLSchema" xmlns:xs="http://www.w3.org/2001/XMLSchema" xmlns:p="http://schemas.microsoft.com/office/2006/metadata/properties" xmlns:ns2="f629341c-4cde-4c27-8491-b27ba532aee8" xmlns:ns3="231742ab-05ec-4f96-a981-a771f0dc5ac4" targetNamespace="http://schemas.microsoft.com/office/2006/metadata/properties" ma:root="true" ma:fieldsID="357ff0bfbdf80d512588bbf9ae5ff5da" ns2:_="" ns3:_="">
     <xsd:import namespace="f629341c-4cde-4c27-8491-b27ba532aee8"/>
@@ -9274,7 +9727,7 @@
 </ct:contentTypeSchema>
 </file>
 
-<file path=customXml/item3.xml><?xml version="1.0" encoding="utf-8"?>
+<file path=customXml/item2.xml><?xml version="1.0" encoding="utf-8"?>
 <?mso-contentType ?>
 <FormTemplates xmlns="http://schemas.microsoft.com/sharepoint/v3/contenttype/forms">
   <Display>DocumentLibraryForm</Display>
@@ -9283,18 +9736,18 @@
 </FormTemplates>
 </file>
 
-<file path=customXml/itemProps1.xml><?xml version="1.0" encoding="utf-8"?>
-<ds:datastoreItem xmlns:ds="http://schemas.openxmlformats.org/officeDocument/2006/customXml" ds:itemID="{65DB626F-72E2-49BA-8CB3-D64BACF09F7B}">
-  <ds:schemaRefs>
-    <ds:schemaRef ds:uri="http://schemas.microsoft.com/office/2006/metadata/properties"/>
-    <ds:schemaRef ds:uri="http://schemas.microsoft.com/office/infopath/2007/PartnerControls"/>
-    <ds:schemaRef ds:uri="231742ab-05ec-4f96-a981-a771f0dc5ac4"/>
-    <ds:schemaRef ds:uri="f629341c-4cde-4c27-8491-b27ba532aee8"/>
-  </ds:schemaRefs>
-</ds:datastoreItem>
+<file path=customXml/item3.xml><?xml version="1.0" encoding="utf-8"?>
+<p:properties xmlns:p="http://schemas.microsoft.com/office/2006/metadata/properties" xmlns:xsi="http://www.w3.org/2001/XMLSchema-instance" xmlns:pc="http://schemas.microsoft.com/office/infopath/2007/PartnerControls">
+  <documentManagement>
+    <TaxCatchAll xmlns="231742ab-05ec-4f96-a981-a771f0dc5ac4" xsi:nil="true"/>
+    <lcf76f155ced4ddcb4097134ff3c332f xmlns="f629341c-4cde-4c27-8491-b27ba532aee8">
+      <Terms xmlns="http://schemas.microsoft.com/office/infopath/2007/PartnerControls"/>
+    </lcf76f155ced4ddcb4097134ff3c332f>
+  </documentManagement>
+</p:properties>
 </file>
 
-<file path=customXml/itemProps2.xml><?xml version="1.0" encoding="utf-8"?>
+<file path=customXml/itemProps1.xml><?xml version="1.0" encoding="utf-8"?>
 <ds:datastoreItem xmlns:ds="http://schemas.openxmlformats.org/officeDocument/2006/customXml" ds:itemID="{1EA1F8CA-0FC9-4508-AEC8-E87E8D868B5D}">
   <ds:schemaRefs>
     <ds:schemaRef ds:uri="http://schemas.microsoft.com/office/2006/metadata/contentType"/>
@@ -9313,10 +9766,21 @@
 </ds:datastoreItem>
 </file>
 
-<file path=customXml/itemProps3.xml><?xml version="1.0" encoding="utf-8"?>
+<file path=customXml/itemProps2.xml><?xml version="1.0" encoding="utf-8"?>
 <ds:datastoreItem xmlns:ds="http://schemas.openxmlformats.org/officeDocument/2006/customXml" ds:itemID="{A373C971-40AF-4018-B4E4-CFAD404470C3}">
   <ds:schemaRefs>
     <ds:schemaRef ds:uri="http://schemas.microsoft.com/sharepoint/v3/contenttype/forms"/>
   </ds:schemaRefs>
 </ds:datastoreItem>
+</file>
+
+<file path=customXml/itemProps3.xml><?xml version="1.0" encoding="utf-8"?>
+<ds:datastoreItem xmlns:ds="http://schemas.openxmlformats.org/officeDocument/2006/customXml" ds:itemID="{65DB626F-72E2-49BA-8CB3-D64BACF09F7B}">
+  <ds:schemaRefs>
+    <ds:schemaRef ds:uri="http://schemas.microsoft.com/office/2006/metadata/properties"/>
+    <ds:schemaRef ds:uri="http://schemas.microsoft.com/office/infopath/2007/PartnerControls"/>
+    <ds:schemaRef ds:uri="231742ab-05ec-4f96-a981-a771f0dc5ac4"/>
+    <ds:schemaRef ds:uri="f629341c-4cde-4c27-8491-b27ba532aee8"/>
+  </ds:schemaRefs>
+</ds:datastoreItem>
 </file>
--- a/sprint.review.20231219_Tuyen.pptx
+++ b/sprint.review.20231219_Tuyen.pptx
@@ -5096,7 +5096,7 @@
             </a:r>
             <a:r>
               <a:rPr lang="en-US" dirty="0"/>
-              <a:t>users can be granted permission to access views rather than the underlying tables.</a:t>
+              <a:t>users can be granted permission to access views rather than the real tables.</a:t>
             </a:r>
           </a:p>
           <a:p>
@@ -8310,7 +8310,7 @@
                   </a:schemeClr>
                 </a:solidFill>
               </a:rPr>
-              <a:t>Standardization: </a:t>
+              <a:t>Normalization &amp; efficiency:  </a:t>
             </a:r>
             <a:r>
               <a:rPr lang="en-US" dirty="0">
@@ -8437,7 +8437,7 @@
         </p:spPr>
         <p:txBody>
           <a:bodyPr vert="horz" lIns="91440" tIns="45720" rIns="91440" bIns="45720" rtlCol="0">
-            <a:normAutofit lnSpcReduction="10000"/>
+            <a:normAutofit/>
           </a:bodyPr>
           <a:lstStyle>
             <a:lvl1pPr marL="228600" indent="-228600" defTabSz="914400">
@@ -8594,22 +8594,6 @@
               <a:t>Backup &amp; recovery</a:t>
             </a:r>
           </a:p>
-          <a:p>
-            <a:r>
-              <a:rPr lang="en-US" dirty="0">
-                <a:solidFill>
-                  <a:schemeClr val="accent4">
-                    <a:lumMod val="50000"/>
-                  </a:schemeClr>
-                </a:solidFill>
-              </a:rPr>
-              <a:t>Normalization &amp; efficiency:  </a:t>
-            </a:r>
-            <a:r>
-              <a:rPr lang="en-US" dirty="0"/>
-              <a:t>eliminating data redundancy.</a:t>
-            </a:r>
-          </a:p>
         </p:txBody>
       </p:sp>
     </p:spTree>
@@ -8695,13 +8679,19 @@
           <a:p>
             <a:r>
               <a:rPr lang="en-US" dirty="0"/>
-              <a:t>View is a virtual table in database.</a:t>
+              <a:t>View is a logical view or collection of data from one or more tables.</a:t>
             </a:r>
           </a:p>
           <a:p>
             <a:r>
               <a:rPr lang="en-US" dirty="0"/>
-              <a:t>View is only created by the query SELECT from the physic tables in database.</a:t>
+              <a:t>View is also known as virtual table in database. Data in view is defined by a query sentence.</a:t>
+            </a:r>
+          </a:p>
+          <a:p>
+            <a:r>
+              <a:rPr lang="en-US" dirty="0"/>
+              <a:t>View is only created by the query to get data from the physical tables in the database.</a:t>
             </a:r>
           </a:p>
           <a:p>
@@ -8809,36 +8799,6 @@
           </a:p>
         </p:txBody>
       </p:sp>
-      <p:pic>
-        <p:nvPicPr>
-          <p:cNvPr id="8" name="Picture 7">
-            <a:extLst>
-              <a:ext uri="{FF2B5EF4-FFF2-40B4-BE49-F238E27FC236}">
-                <a16:creationId xmlns:a16="http://schemas.microsoft.com/office/drawing/2014/main" id="{04DEC101-AF77-CA42-D56C-5F8919F96D81}"/>
-              </a:ext>
-            </a:extLst>
-          </p:cNvPr>
-          <p:cNvPicPr>
-            <a:picLocks noChangeAspect="1"/>
-          </p:cNvPicPr>
-          <p:nvPr/>
-        </p:nvPicPr>
-        <p:blipFill>
-          <a:blip r:embed="rId2"/>
-          <a:stretch>
-            <a:fillRect/>
-          </a:stretch>
-        </p:blipFill>
-        <p:spPr>
-          <a:xfrm>
-            <a:off x="2698289" y="4643570"/>
-            <a:ext cx="7170235" cy="1533393"/>
-          </a:xfrm>
-          <a:prstGeom prst="rect">
-            <a:avLst/>
-          </a:prstGeom>
-        </p:spPr>
-      </p:pic>
     </p:spTree>
     <p:extLst>
       <p:ext uri="{BB962C8B-B14F-4D97-AF65-F5344CB8AC3E}">
@@ -9863,15 +9823,6 @@
 </file>
 
 <file path=customXml/item1.xml><?xml version="1.0" encoding="utf-8"?>
-<?mso-contentType ?>
-<FormTemplates xmlns="http://schemas.microsoft.com/sharepoint/v3/contenttype/forms">
-  <Display>DocumentLibraryForm</Display>
-  <Edit>DocumentLibraryForm</Edit>
-  <New>DocumentLibraryForm</New>
-</FormTemplates>
-</file>
-
-<file path=customXml/item2.xml><?xml version="1.0" encoding="utf-8"?>
 <ct:contentTypeSchema xmlns:ct="http://schemas.microsoft.com/office/2006/metadata/contentType" xmlns:ma="http://schemas.microsoft.com/office/2006/metadata/properties/metaAttributes" ct:_="" ma:_="" ma:contentTypeName="Document" ma:contentTypeID="0x01010059F091225DB1A947B01CB99F9AE9BB58" ma:contentTypeVersion="20" ma:contentTypeDescription="Create a new document." ma:contentTypeScope="" ma:versionID="f0907949df67cd8578a2dbd61e345099">
   <xsd:schema xmlns:xsd="http://www.w3.org/2001/XMLSchema" xmlns:xs="http://www.w3.org/2001/XMLSchema" xmlns:p="http://schemas.microsoft.com/office/2006/metadata/properties" xmlns:ns2="f629341c-4cde-4c27-8491-b27ba532aee8" xmlns:ns3="231742ab-05ec-4f96-a981-a771f0dc5ac4" targetNamespace="http://schemas.microsoft.com/office/2006/metadata/properties" ma:root="true" ma:fieldsID="357ff0bfbdf80d512588bbf9ae5ff5da" ns2:_="" ns3:_="">
     <xsd:import namespace="f629341c-4cde-4c27-8491-b27ba532aee8"/>
@@ -10086,6 +10037,15 @@
 </ct:contentTypeSchema>
 </file>
 
+<file path=customXml/item2.xml><?xml version="1.0" encoding="utf-8"?>
+<?mso-contentType ?>
+<FormTemplates xmlns="http://schemas.microsoft.com/sharepoint/v3/contenttype/forms">
+  <Display>DocumentLibraryForm</Display>
+  <Edit>DocumentLibraryForm</Edit>
+  <New>DocumentLibraryForm</New>
+</FormTemplates>
+</file>
+
 <file path=customXml/item3.xml><?xml version="1.0" encoding="utf-8"?>
 <p:properties xmlns:p="http://schemas.microsoft.com/office/2006/metadata/properties" xmlns:xsi="http://www.w3.org/2001/XMLSchema-instance" xmlns:pc="http://schemas.microsoft.com/office/infopath/2007/PartnerControls">
   <documentManagement>
@@ -10098,14 +10058,6 @@
 </file>
 
 <file path=customXml/itemProps1.xml><?xml version="1.0" encoding="utf-8"?>
-<ds:datastoreItem xmlns:ds="http://schemas.openxmlformats.org/officeDocument/2006/customXml" ds:itemID="{A373C971-40AF-4018-B4E4-CFAD404470C3}">
-  <ds:schemaRefs>
-    <ds:schemaRef ds:uri="http://schemas.microsoft.com/sharepoint/v3/contenttype/forms"/>
-  </ds:schemaRefs>
-</ds:datastoreItem>
-</file>
-
-<file path=customXml/itemProps2.xml><?xml version="1.0" encoding="utf-8"?>
 <ds:datastoreItem xmlns:ds="http://schemas.openxmlformats.org/officeDocument/2006/customXml" ds:itemID="{1EA1F8CA-0FC9-4508-AEC8-E87E8D868B5D}">
   <ds:schemaRefs>
     <ds:schemaRef ds:uri="http://schemas.microsoft.com/office/2006/metadata/contentType"/>
@@ -10124,6 +10076,14 @@
 </ds:datastoreItem>
 </file>
 
+<file path=customXml/itemProps2.xml><?xml version="1.0" encoding="utf-8"?>
+<ds:datastoreItem xmlns:ds="http://schemas.openxmlformats.org/officeDocument/2006/customXml" ds:itemID="{A373C971-40AF-4018-B4E4-CFAD404470C3}">
+  <ds:schemaRefs>
+    <ds:schemaRef ds:uri="http://schemas.microsoft.com/sharepoint/v3/contenttype/forms"/>
+  </ds:schemaRefs>
+</ds:datastoreItem>
+</file>
+
 <file path=customXml/itemProps3.xml><?xml version="1.0" encoding="utf-8"?>
 <ds:datastoreItem xmlns:ds="http://schemas.openxmlformats.org/officeDocument/2006/customXml" ds:itemID="{65DB626F-72E2-49BA-8CB3-D64BACF09F7B}">
   <ds:schemaRefs>

--- a/sprint.review.20231219_Tuyen.pptx
+++ b/sprint.review.20231219_Tuyen.pptx
@@ -5,10 +5,10 @@
     <p:sldMasterId id="2147483730" r:id="rId4"/>
   </p:sldMasterIdLst>
   <p:notesMasterIdLst>
-    <p:notesMasterId r:id="rId18"/>
+    <p:notesMasterId r:id="rId19"/>
   </p:notesMasterIdLst>
   <p:handoutMasterIdLst>
-    <p:handoutMasterId r:id="rId19"/>
+    <p:handoutMasterId r:id="rId20"/>
   </p:handoutMasterIdLst>
   <p:sldIdLst>
     <p:sldId id="484" r:id="rId5"/>
@@ -18,12 +18,13 @@
     <p:sldId id="493" r:id="rId9"/>
     <p:sldId id="492" r:id="rId10"/>
     <p:sldId id="487" r:id="rId11"/>
-    <p:sldId id="488" r:id="rId12"/>
-    <p:sldId id="496" r:id="rId13"/>
-    <p:sldId id="495" r:id="rId14"/>
-    <p:sldId id="494" r:id="rId15"/>
-    <p:sldId id="489" r:id="rId16"/>
-    <p:sldId id="490" r:id="rId17"/>
+    <p:sldId id="497" r:id="rId12"/>
+    <p:sldId id="498" r:id="rId13"/>
+    <p:sldId id="496" r:id="rId14"/>
+    <p:sldId id="495" r:id="rId15"/>
+    <p:sldId id="494" r:id="rId16"/>
+    <p:sldId id="489" r:id="rId17"/>
+    <p:sldId id="490" r:id="rId18"/>
   </p:sldIdLst>
   <p:sldSz cx="12192000" cy="6858000"/>
   <p:notesSz cx="6858000" cy="9144000"/>
@@ -4880,7 +4881,7 @@
           <p:cNvPr id="4" name="Date Placeholder 3">
             <a:extLst>
               <a:ext uri="{FF2B5EF4-FFF2-40B4-BE49-F238E27FC236}">
-                <a16:creationId xmlns:a16="http://schemas.microsoft.com/office/drawing/2014/main" id="{EE83A78E-64ED-AB9A-D63A-4E64EE31DEE1}"/>
+                <a16:creationId xmlns:a16="http://schemas.microsoft.com/office/drawing/2014/main" id="{C9BFFF66-5F71-516A-C165-CDA14B58F7E7}"/>
               </a:ext>
             </a:extLst>
           </p:cNvPr>
@@ -4909,7 +4910,7 @@
           <p:cNvPr id="5" name="Footer Placeholder 4">
             <a:extLst>
               <a:ext uri="{FF2B5EF4-FFF2-40B4-BE49-F238E27FC236}">
-                <a16:creationId xmlns:a16="http://schemas.microsoft.com/office/drawing/2014/main" id="{66572435-2667-EF9D-0379-7E5BE5224770}"/>
+                <a16:creationId xmlns:a16="http://schemas.microsoft.com/office/drawing/2014/main" id="{213C7377-FB46-977C-ACF1-6AE57E56B8C3}"/>
               </a:ext>
             </a:extLst>
           </p:cNvPr>
@@ -4938,7 +4939,7 @@
           <p:cNvPr id="6" name="Slide Number Placeholder 5">
             <a:extLst>
               <a:ext uri="{FF2B5EF4-FFF2-40B4-BE49-F238E27FC236}">
-                <a16:creationId xmlns:a16="http://schemas.microsoft.com/office/drawing/2014/main" id="{FC3D341B-9938-C862-A6E3-B3D938FD9D3C}"/>
+                <a16:creationId xmlns:a16="http://schemas.microsoft.com/office/drawing/2014/main" id="{16866607-CAB1-6788-22AA-44347A868F06}"/>
               </a:ext>
             </a:extLst>
           </p:cNvPr>
@@ -4957,6 +4958,153 @@
             <a:fld id="{2FB79C59-F32A-44C5-BD88-D6F83C6AD380}" type="slidenum">
               <a:rPr lang="en-US" smtClean="0"/>
               <a:t>10</a:t>
+            </a:fld>
+            <a:endParaRPr lang="en-US"/>
+          </a:p>
+        </p:txBody>
+      </p:sp>
+      <p:pic>
+        <p:nvPicPr>
+          <p:cNvPr id="8" name="Picture 7">
+            <a:extLst>
+              <a:ext uri="{FF2B5EF4-FFF2-40B4-BE49-F238E27FC236}">
+                <a16:creationId xmlns:a16="http://schemas.microsoft.com/office/drawing/2014/main" id="{259454A9-71BE-4F0F-8CA3-AF5E620F7EC2}"/>
+              </a:ext>
+            </a:extLst>
+          </p:cNvPr>
+          <p:cNvPicPr>
+            <a:picLocks noChangeAspect="1"/>
+          </p:cNvPicPr>
+          <p:nvPr/>
+        </p:nvPicPr>
+        <p:blipFill>
+          <a:blip r:embed="rId2"/>
+          <a:stretch>
+            <a:fillRect/>
+          </a:stretch>
+        </p:blipFill>
+        <p:spPr>
+          <a:xfrm>
+            <a:off x="0" y="92524"/>
+            <a:ext cx="12192000" cy="6672951"/>
+          </a:xfrm>
+          <a:prstGeom prst="rect">
+            <a:avLst/>
+          </a:prstGeom>
+        </p:spPr>
+      </p:pic>
+    </p:spTree>
+    <p:extLst>
+      <p:ext uri="{BB962C8B-B14F-4D97-AF65-F5344CB8AC3E}">
+        <p14:creationId xmlns:p14="http://schemas.microsoft.com/office/powerpoint/2010/main" val="2064321201"/>
+      </p:ext>
+    </p:extLst>
+  </p:cSld>
+  <p:clrMapOvr>
+    <a:masterClrMapping/>
+  </p:clrMapOvr>
+</p:sld>
+</file>
+
+<file path=ppt/slides/slide11.xml><?xml version="1.0" encoding="utf-8"?>
+<p:sld xmlns:a="http://schemas.openxmlformats.org/drawingml/2006/main" xmlns:r="http://schemas.openxmlformats.org/officeDocument/2006/relationships" xmlns:p="http://schemas.openxmlformats.org/presentationml/2006/main">
+  <p:cSld>
+    <p:spTree>
+      <p:nvGrpSpPr>
+        <p:cNvPr id="1" name=""/>
+        <p:cNvGrpSpPr/>
+        <p:nvPr/>
+      </p:nvGrpSpPr>
+      <p:grpSpPr>
+        <a:xfrm>
+          <a:off x="0" y="0"/>
+          <a:ext cx="0" cy="0"/>
+          <a:chOff x="0" y="0"/>
+          <a:chExt cx="0" cy="0"/>
+        </a:xfrm>
+      </p:grpSpPr>
+      <p:sp>
+        <p:nvSpPr>
+          <p:cNvPr id="4" name="Date Placeholder 3">
+            <a:extLst>
+              <a:ext uri="{FF2B5EF4-FFF2-40B4-BE49-F238E27FC236}">
+                <a16:creationId xmlns:a16="http://schemas.microsoft.com/office/drawing/2014/main" id="{EE83A78E-64ED-AB9A-D63A-4E64EE31DEE1}"/>
+              </a:ext>
+            </a:extLst>
+          </p:cNvPr>
+          <p:cNvSpPr>
+            <a:spLocks noGrp="1"/>
+          </p:cNvSpPr>
+          <p:nvPr>
+            <p:ph type="dt" sz="half" idx="10"/>
+          </p:nvPr>
+        </p:nvSpPr>
+        <p:spPr/>
+        <p:txBody>
+          <a:bodyPr/>
+          <a:lstStyle/>
+          <a:p>
+            <a:r>
+              <a:rPr lang="vi-VN"/>
+              <a:t>19/12/2023</a:t>
+            </a:r>
+            <a:endParaRPr lang="en-US" dirty="0"/>
+          </a:p>
+        </p:txBody>
+      </p:sp>
+      <p:sp>
+        <p:nvSpPr>
+          <p:cNvPr id="5" name="Footer Placeholder 4">
+            <a:extLst>
+              <a:ext uri="{FF2B5EF4-FFF2-40B4-BE49-F238E27FC236}">
+                <a16:creationId xmlns:a16="http://schemas.microsoft.com/office/drawing/2014/main" id="{66572435-2667-EF9D-0379-7E5BE5224770}"/>
+              </a:ext>
+            </a:extLst>
+          </p:cNvPr>
+          <p:cNvSpPr>
+            <a:spLocks noGrp="1"/>
+          </p:cNvSpPr>
+          <p:nvPr>
+            <p:ph type="ftr" sz="quarter" idx="11"/>
+          </p:nvPr>
+        </p:nvSpPr>
+        <p:spPr/>
+        <p:txBody>
+          <a:bodyPr/>
+          <a:lstStyle/>
+          <a:p>
+            <a:r>
+              <a:rPr lang="en-US"/>
+              <a:t>GSI</a:t>
+            </a:r>
+            <a:endParaRPr lang="en-US" dirty="0"/>
+          </a:p>
+        </p:txBody>
+      </p:sp>
+      <p:sp>
+        <p:nvSpPr>
+          <p:cNvPr id="6" name="Slide Number Placeholder 5">
+            <a:extLst>
+              <a:ext uri="{FF2B5EF4-FFF2-40B4-BE49-F238E27FC236}">
+                <a16:creationId xmlns:a16="http://schemas.microsoft.com/office/drawing/2014/main" id="{FC3D341B-9938-C862-A6E3-B3D938FD9D3C}"/>
+              </a:ext>
+            </a:extLst>
+          </p:cNvPr>
+          <p:cNvSpPr>
+            <a:spLocks noGrp="1"/>
+          </p:cNvSpPr>
+          <p:nvPr>
+            <p:ph type="sldNum" sz="quarter" idx="12"/>
+          </p:nvPr>
+        </p:nvSpPr>
+        <p:spPr/>
+        <p:txBody>
+          <a:bodyPr/>
+          <a:lstStyle/>
+          <a:p>
+            <a:fld id="{2FB79C59-F32A-44C5-BD88-D6F83C6AD380}" type="slidenum">
+              <a:rPr lang="en-US" smtClean="0"/>
+              <a:t>11</a:t>
             </a:fld>
             <a:endParaRPr lang="en-US"/>
           </a:p>
@@ -5011,7 +5159,7 @@
 </p:sld>
 </file>
 
-<file path=ppt/slides/slide11.xml><?xml version="1.0" encoding="utf-8"?>
+<file path=ppt/slides/slide12.xml><?xml version="1.0" encoding="utf-8"?>
 <p:sld xmlns:a="http://schemas.openxmlformats.org/drawingml/2006/main" xmlns:r="http://schemas.openxmlformats.org/officeDocument/2006/relationships" xmlns:p="http://schemas.openxmlformats.org/presentationml/2006/main">
   <p:cSld>
     <p:spTree>
@@ -5214,7 +5362,7 @@
           <a:p>
             <a:fld id="{2FB79C59-F32A-44C5-BD88-D6F83C6AD380}" type="slidenum">
               <a:rPr lang="en-US" smtClean="0"/>
-              <a:t>11</a:t>
+              <a:t>12</a:t>
             </a:fld>
             <a:endParaRPr lang="en-US"/>
           </a:p>
@@ -5490,7 +5638,7 @@
 </p:sld>
 </file>
 
-<file path=ppt/slides/slide12.xml><?xml version="1.0" encoding="utf-8"?>
+<file path=ppt/slides/slide13.xml><?xml version="1.0" encoding="utf-8"?>
 <p:sld xmlns:a="http://schemas.openxmlformats.org/drawingml/2006/main" xmlns:r="http://schemas.openxmlformats.org/officeDocument/2006/relationships" xmlns:p="http://schemas.openxmlformats.org/presentationml/2006/main">
   <p:cSld>
     <p:spTree>
@@ -5726,7 +5874,7 @@
           <a:p>
             <a:fld id="{2FB79C59-F32A-44C5-BD88-D6F83C6AD380}" type="slidenum">
               <a:rPr lang="en-US" smtClean="0"/>
-              <a:t>12</a:t>
+              <a:t>13</a:t>
             </a:fld>
             <a:endParaRPr lang="en-US"/>
           </a:p>
@@ -6027,7 +6175,7 @@
 </p:sld>
 </file>
 
-<file path=ppt/slides/slide13.xml><?xml version="1.0" encoding="utf-8"?>
+<file path=ppt/slides/slide14.xml><?xml version="1.0" encoding="utf-8"?>
 <p:sld xmlns:a="http://schemas.openxmlformats.org/drawingml/2006/main" xmlns:r="http://schemas.openxmlformats.org/officeDocument/2006/relationships" xmlns:p="http://schemas.openxmlformats.org/presentationml/2006/main">
   <p:cSld>
     <p:spTree>
@@ -6283,7 +6431,7 @@
           <a:p>
             <a:fld id="{2FB79C59-F32A-44C5-BD88-D6F83C6AD380}" type="slidenum">
               <a:rPr lang="en-US" smtClean="0"/>
-              <a:t>13</a:t>
+              <a:t>14</a:t>
             </a:fld>
             <a:endParaRPr lang="en-US"/>
           </a:p>
@@ -8695,13 +8843,19 @@
           <a:p>
             <a:r>
               <a:rPr lang="en-US" dirty="0"/>
-              <a:t>View is a virtual table in database.</a:t>
+              <a:t>View is a logical view or collection of data from one or more tables.</a:t>
             </a:r>
           </a:p>
           <a:p>
             <a:r>
               <a:rPr lang="en-US" dirty="0"/>
-              <a:t>View is only created by the query SELECT from the physic tables in database.</a:t>
+              <a:t>View is also known as virtual table in database. Data in view is defined by a query sentence.</a:t>
+            </a:r>
+          </a:p>
+          <a:p>
+            <a:r>
+              <a:rPr lang="en-US" dirty="0"/>
+              <a:t>View is only created by the query to get data from the physical tables in the database.</a:t>
             </a:r>
           </a:p>
           <a:p>
@@ -8809,40 +8963,10 @@
           </a:p>
         </p:txBody>
       </p:sp>
-      <p:pic>
-        <p:nvPicPr>
-          <p:cNvPr id="8" name="Picture 7">
-            <a:extLst>
-              <a:ext uri="{FF2B5EF4-FFF2-40B4-BE49-F238E27FC236}">
-                <a16:creationId xmlns:a16="http://schemas.microsoft.com/office/drawing/2014/main" id="{04DEC101-AF77-CA42-D56C-5F8919F96D81}"/>
-              </a:ext>
-            </a:extLst>
-          </p:cNvPr>
-          <p:cNvPicPr>
-            <a:picLocks noChangeAspect="1"/>
-          </p:cNvPicPr>
-          <p:nvPr/>
-        </p:nvPicPr>
-        <p:blipFill>
-          <a:blip r:embed="rId2"/>
-          <a:stretch>
-            <a:fillRect/>
-          </a:stretch>
-        </p:blipFill>
-        <p:spPr>
-          <a:xfrm>
-            <a:off x="2698289" y="4643570"/>
-            <a:ext cx="7170235" cy="1533393"/>
-          </a:xfrm>
-          <a:prstGeom prst="rect">
-            <a:avLst/>
-          </a:prstGeom>
-        </p:spPr>
-      </p:pic>
     </p:spTree>
     <p:extLst>
       <p:ext uri="{BB962C8B-B14F-4D97-AF65-F5344CB8AC3E}">
-        <p14:creationId xmlns:p14="http://schemas.microsoft.com/office/powerpoint/2010/main" val="3589156785"/>
+        <p14:creationId xmlns:p14="http://schemas.microsoft.com/office/powerpoint/2010/main" val="3423586582"/>
       </p:ext>
     </p:extLst>
   </p:cSld>
@@ -8871,10 +8995,38 @@
       </p:grpSpPr>
       <p:sp>
         <p:nvSpPr>
+          <p:cNvPr id="2" name="Title 1">
+            <a:extLst>
+              <a:ext uri="{FF2B5EF4-FFF2-40B4-BE49-F238E27FC236}">
+                <a16:creationId xmlns:a16="http://schemas.microsoft.com/office/drawing/2014/main" id="{1594CF64-CE17-EE6E-0807-F6B3BD5899AF}"/>
+              </a:ext>
+            </a:extLst>
+          </p:cNvPr>
+          <p:cNvSpPr>
+            <a:spLocks noGrp="1"/>
+          </p:cNvSpPr>
+          <p:nvPr>
+            <p:ph type="title"/>
+          </p:nvPr>
+        </p:nvSpPr>
+        <p:spPr/>
+        <p:txBody>
+          <a:bodyPr/>
+          <a:lstStyle/>
+          <a:p>
+            <a:r>
+              <a:rPr lang="en-US" dirty="0"/>
+              <a:t>What are DB-Views and why we should use them?</a:t>
+            </a:r>
+          </a:p>
+        </p:txBody>
+      </p:sp>
+      <p:sp>
+        <p:nvSpPr>
           <p:cNvPr id="4" name="Date Placeholder 3">
             <a:extLst>
               <a:ext uri="{FF2B5EF4-FFF2-40B4-BE49-F238E27FC236}">
-                <a16:creationId xmlns:a16="http://schemas.microsoft.com/office/drawing/2014/main" id="{C9BFFF66-5F71-516A-C165-CDA14B58F7E7}"/>
+                <a16:creationId xmlns:a16="http://schemas.microsoft.com/office/drawing/2014/main" id="{08DC504F-DEAE-33D3-C46D-181DC52B547B}"/>
               </a:ext>
             </a:extLst>
           </p:cNvPr>
@@ -8903,7 +9055,7 @@
           <p:cNvPr id="5" name="Footer Placeholder 4">
             <a:extLst>
               <a:ext uri="{FF2B5EF4-FFF2-40B4-BE49-F238E27FC236}">
-                <a16:creationId xmlns:a16="http://schemas.microsoft.com/office/drawing/2014/main" id="{213C7377-FB46-977C-ACF1-6AE57E56B8C3}"/>
+                <a16:creationId xmlns:a16="http://schemas.microsoft.com/office/drawing/2014/main" id="{5ECBE23A-7167-83F1-2537-43CBDE323515}"/>
               </a:ext>
             </a:extLst>
           </p:cNvPr>
@@ -8932,7 +9084,7 @@
           <p:cNvPr id="6" name="Slide Number Placeholder 5">
             <a:extLst>
               <a:ext uri="{FF2B5EF4-FFF2-40B4-BE49-F238E27FC236}">
-                <a16:creationId xmlns:a16="http://schemas.microsoft.com/office/drawing/2014/main" id="{16866607-CAB1-6788-22AA-44347A868F06}"/>
+                <a16:creationId xmlns:a16="http://schemas.microsoft.com/office/drawing/2014/main" id="{FD32343C-C6F7-6267-E30D-881A4BBD7CAE}"/>
               </a:ext>
             </a:extLst>
           </p:cNvPr>
@@ -8958,17 +9110,19 @@
       </p:sp>
       <p:pic>
         <p:nvPicPr>
-          <p:cNvPr id="8" name="Picture 7">
-            <a:extLst>
-              <a:ext uri="{FF2B5EF4-FFF2-40B4-BE49-F238E27FC236}">
-                <a16:creationId xmlns:a16="http://schemas.microsoft.com/office/drawing/2014/main" id="{259454A9-71BE-4F0F-8CA3-AF5E620F7EC2}"/>
+          <p:cNvPr id="7" name="Content Placeholder 6">
+            <a:extLst>
+              <a:ext uri="{FF2B5EF4-FFF2-40B4-BE49-F238E27FC236}">
+                <a16:creationId xmlns:a16="http://schemas.microsoft.com/office/drawing/2014/main" id="{2DF34806-E986-13D2-6019-5BC90B2BA109}"/>
               </a:ext>
             </a:extLst>
           </p:cNvPr>
           <p:cNvPicPr>
-            <a:picLocks noChangeAspect="1"/>
+            <a:picLocks noGrp="1" noChangeAspect="1"/>
           </p:cNvPicPr>
-          <p:nvPr/>
+          <p:nvPr>
+            <p:ph idx="1"/>
+          </p:nvPr>
         </p:nvPicPr>
         <p:blipFill>
           <a:blip r:embed="rId2"/>
@@ -8978,8 +9132,8 @@
         </p:blipFill>
         <p:spPr>
           <a:xfrm>
-            <a:off x="0" y="92524"/>
-            <a:ext cx="12192000" cy="6672951"/>
+            <a:off x="2274159" y="2611679"/>
+            <a:ext cx="7643682" cy="1634642"/>
           </a:xfrm>
           <a:prstGeom prst="rect">
             <a:avLst/>
@@ -8989,7 +9143,7 @@
     </p:spTree>
     <p:extLst>
       <p:ext uri="{BB962C8B-B14F-4D97-AF65-F5344CB8AC3E}">
-        <p14:creationId xmlns:p14="http://schemas.microsoft.com/office/powerpoint/2010/main" val="2064321201"/>
+        <p14:creationId xmlns:p14="http://schemas.microsoft.com/office/powerpoint/2010/main" val="2816052696"/>
       </p:ext>
     </p:extLst>
   </p:cSld>
@@ -9863,12 +10017,14 @@
 </file>
 
 <file path=customXml/item1.xml><?xml version="1.0" encoding="utf-8"?>
-<?mso-contentType ?>
-<FormTemplates xmlns="http://schemas.microsoft.com/sharepoint/v3/contenttype/forms">
-  <Display>DocumentLibraryForm</Display>
-  <Edit>DocumentLibraryForm</Edit>
-  <New>DocumentLibraryForm</New>
-</FormTemplates>
+<p:properties xmlns:p="http://schemas.microsoft.com/office/2006/metadata/properties" xmlns:xsi="http://www.w3.org/2001/XMLSchema-instance" xmlns:pc="http://schemas.microsoft.com/office/infopath/2007/PartnerControls">
+  <documentManagement>
+    <TaxCatchAll xmlns="231742ab-05ec-4f96-a981-a771f0dc5ac4" xsi:nil="true"/>
+    <lcf76f155ced4ddcb4097134ff3c332f xmlns="f629341c-4cde-4c27-8491-b27ba532aee8">
+      <Terms xmlns="http://schemas.microsoft.com/office/infopath/2007/PartnerControls"/>
+    </lcf76f155ced4ddcb4097134ff3c332f>
+  </documentManagement>
+</p:properties>
 </file>
 
 <file path=customXml/item2.xml><?xml version="1.0" encoding="utf-8"?>
@@ -10087,20 +10243,21 @@
 </file>
 
 <file path=customXml/item3.xml><?xml version="1.0" encoding="utf-8"?>
-<p:properties xmlns:p="http://schemas.microsoft.com/office/2006/metadata/properties" xmlns:xsi="http://www.w3.org/2001/XMLSchema-instance" xmlns:pc="http://schemas.microsoft.com/office/infopath/2007/PartnerControls">
-  <documentManagement>
-    <TaxCatchAll xmlns="231742ab-05ec-4f96-a981-a771f0dc5ac4" xsi:nil="true"/>
-    <lcf76f155ced4ddcb4097134ff3c332f xmlns="f629341c-4cde-4c27-8491-b27ba532aee8">
-      <Terms xmlns="http://schemas.microsoft.com/office/infopath/2007/PartnerControls"/>
-    </lcf76f155ced4ddcb4097134ff3c332f>
-  </documentManagement>
-</p:properties>
+<?mso-contentType ?>
+<FormTemplates xmlns="http://schemas.microsoft.com/sharepoint/v3/contenttype/forms">
+  <Display>DocumentLibraryForm</Display>
+  <Edit>DocumentLibraryForm</Edit>
+  <New>DocumentLibraryForm</New>
+</FormTemplates>
 </file>
 
 <file path=customXml/itemProps1.xml><?xml version="1.0" encoding="utf-8"?>
-<ds:datastoreItem xmlns:ds="http://schemas.openxmlformats.org/officeDocument/2006/customXml" ds:itemID="{A373C971-40AF-4018-B4E4-CFAD404470C3}">
+<ds:datastoreItem xmlns:ds="http://schemas.openxmlformats.org/officeDocument/2006/customXml" ds:itemID="{65DB626F-72E2-49BA-8CB3-D64BACF09F7B}">
   <ds:schemaRefs>
-    <ds:schemaRef ds:uri="http://schemas.microsoft.com/sharepoint/v3/contenttype/forms"/>
+    <ds:schemaRef ds:uri="http://schemas.microsoft.com/office/2006/metadata/properties"/>
+    <ds:schemaRef ds:uri="http://schemas.microsoft.com/office/infopath/2007/PartnerControls"/>
+    <ds:schemaRef ds:uri="231742ab-05ec-4f96-a981-a771f0dc5ac4"/>
+    <ds:schemaRef ds:uri="f629341c-4cde-4c27-8491-b27ba532aee8"/>
   </ds:schemaRefs>
 </ds:datastoreItem>
 </file>
@@ -10125,12 +10282,9 @@
 </file>
 
 <file path=customXml/itemProps3.xml><?xml version="1.0" encoding="utf-8"?>
-<ds:datastoreItem xmlns:ds="http://schemas.openxmlformats.org/officeDocument/2006/customXml" ds:itemID="{65DB626F-72E2-49BA-8CB3-D64BACF09F7B}">
+<ds:datastoreItem xmlns:ds="http://schemas.openxmlformats.org/officeDocument/2006/customXml" ds:itemID="{A373C971-40AF-4018-B4E4-CFAD404470C3}">
   <ds:schemaRefs>
-    <ds:schemaRef ds:uri="http://schemas.microsoft.com/office/2006/metadata/properties"/>
-    <ds:schemaRef ds:uri="http://schemas.microsoft.com/office/infopath/2007/PartnerControls"/>
-    <ds:schemaRef ds:uri="231742ab-05ec-4f96-a981-a771f0dc5ac4"/>
-    <ds:schemaRef ds:uri="f629341c-4cde-4c27-8491-b27ba532aee8"/>
+    <ds:schemaRef ds:uri="http://schemas.microsoft.com/sharepoint/v3/contenttype/forms"/>
   </ds:schemaRefs>
 </ds:datastoreItem>
 </file>